--- a/SE401/Lectures/4-Software Testing Plans and Test cases/Test Cases.pptx
+++ b/SE401/Lectures/4-Software Testing Plans and Test cases/Test Cases.pptx
@@ -5,7 +5,7 @@
     <p:sldMasterId id="2147483648" r:id="rId1"/>
   </p:sldMasterIdLst>
   <p:notesMasterIdLst>
-    <p:notesMasterId r:id="rId38"/>
+    <p:notesMasterId r:id="rId39"/>
   </p:notesMasterIdLst>
   <p:sldIdLst>
     <p:sldId id="257" r:id="rId2"/>
@@ -15,35 +15,36 @@
     <p:sldId id="265" r:id="rId6"/>
     <p:sldId id="266" r:id="rId7"/>
     <p:sldId id="300" r:id="rId8"/>
-    <p:sldId id="268" r:id="rId9"/>
-    <p:sldId id="269" r:id="rId10"/>
-    <p:sldId id="270" r:id="rId11"/>
-    <p:sldId id="271" r:id="rId12"/>
-    <p:sldId id="273" r:id="rId13"/>
-    <p:sldId id="274" r:id="rId14"/>
-    <p:sldId id="275" r:id="rId15"/>
-    <p:sldId id="276" r:id="rId16"/>
-    <p:sldId id="277" r:id="rId17"/>
-    <p:sldId id="308" r:id="rId18"/>
-    <p:sldId id="309" r:id="rId19"/>
-    <p:sldId id="307" r:id="rId20"/>
-    <p:sldId id="278" r:id="rId21"/>
-    <p:sldId id="280" r:id="rId22"/>
-    <p:sldId id="315" r:id="rId23"/>
-    <p:sldId id="314" r:id="rId24"/>
-    <p:sldId id="281" r:id="rId25"/>
-    <p:sldId id="282" r:id="rId26"/>
-    <p:sldId id="283" r:id="rId27"/>
-    <p:sldId id="284" r:id="rId28"/>
-    <p:sldId id="285" r:id="rId29"/>
-    <p:sldId id="286" r:id="rId30"/>
-    <p:sldId id="287" r:id="rId31"/>
-    <p:sldId id="288" r:id="rId32"/>
-    <p:sldId id="289" r:id="rId33"/>
-    <p:sldId id="290" r:id="rId34"/>
-    <p:sldId id="316" r:id="rId35"/>
-    <p:sldId id="317" r:id="rId36"/>
-    <p:sldId id="291" r:id="rId37"/>
+    <p:sldId id="318" r:id="rId9"/>
+    <p:sldId id="268" r:id="rId10"/>
+    <p:sldId id="269" r:id="rId11"/>
+    <p:sldId id="270" r:id="rId12"/>
+    <p:sldId id="271" r:id="rId13"/>
+    <p:sldId id="273" r:id="rId14"/>
+    <p:sldId id="274" r:id="rId15"/>
+    <p:sldId id="275" r:id="rId16"/>
+    <p:sldId id="276" r:id="rId17"/>
+    <p:sldId id="277" r:id="rId18"/>
+    <p:sldId id="308" r:id="rId19"/>
+    <p:sldId id="309" r:id="rId20"/>
+    <p:sldId id="307" r:id="rId21"/>
+    <p:sldId id="278" r:id="rId22"/>
+    <p:sldId id="280" r:id="rId23"/>
+    <p:sldId id="315" r:id="rId24"/>
+    <p:sldId id="314" r:id="rId25"/>
+    <p:sldId id="281" r:id="rId26"/>
+    <p:sldId id="282" r:id="rId27"/>
+    <p:sldId id="283" r:id="rId28"/>
+    <p:sldId id="284" r:id="rId29"/>
+    <p:sldId id="285" r:id="rId30"/>
+    <p:sldId id="286" r:id="rId31"/>
+    <p:sldId id="287" r:id="rId32"/>
+    <p:sldId id="288" r:id="rId33"/>
+    <p:sldId id="289" r:id="rId34"/>
+    <p:sldId id="290" r:id="rId35"/>
+    <p:sldId id="316" r:id="rId36"/>
+    <p:sldId id="317" r:id="rId37"/>
+    <p:sldId id="291" r:id="rId38"/>
   </p:sldIdLst>
   <p:sldSz cx="12192000" cy="6858000"/>
   <p:notesSz cx="6858000" cy="9144000"/>
@@ -232,7 +233,7 @@
           <a:p>
             <a:fld id="{29DC965F-4EE6-424F-87B9-6E4E065EFA1D}" type="datetimeFigureOut">
               <a:rPr lang="en-US" smtClean="0"/>
-              <a:t>2/10/2021</a:t>
+              <a:t>9/21/2021</a:t>
             </a:fld>
             <a:endParaRPr lang="en-US"/>
           </a:p>
@@ -550,14 +551,14 @@
           <a:ln/>
           <a:extLst>
             <a:ext uri="{909E8E84-426E-40dd-AFC4-6F175D3DCCD1}">
-              <a14:hiddenFill xmlns:a14="http://schemas.microsoft.com/office/drawing/2010/main" xmlns="">
+              <a14:hiddenFill xmlns="" xmlns:a14="http://schemas.microsoft.com/office/drawing/2010/main">
                 <a:solidFill>
                   <a:srgbClr val="FFFFFF"/>
                 </a:solidFill>
               </a14:hiddenFill>
             </a:ext>
             <a:ext uri="{91240B29-F687-4f45-9708-019B960494DF}">
-              <a14:hiddenLine xmlns:a14="http://schemas.microsoft.com/office/drawing/2010/main" xmlns="" w="9525">
+              <a14:hiddenLine xmlns="" xmlns:a14="http://schemas.microsoft.com/office/drawing/2010/main" w="9525">
                 <a:solidFill>
                   <a:srgbClr val="000000"/>
                 </a:solidFill>
@@ -853,7 +854,7 @@
               <a:pPr>
                 <a:defRPr/>
               </a:pPr>
-              <a:t>14</a:t>
+              <a:t>15</a:t>
             </a:fld>
             <a:r>
               <a:rPr lang="en-US" dirty="0" smtClean="0"/>
@@ -907,7 +908,7 @@
           <a:ln/>
           <a:extLst>
             <a:ext uri="{FAA26D3D-D897-4be2-8F04-BA451C77F1D7}">
-              <ma14:placeholderFlag xmlns:ma14="http://schemas.microsoft.com/office/mac/drawingml/2011/main" xmlns="" val="1"/>
+              <ma14:placeholderFlag xmlns="" xmlns:ma14="http://schemas.microsoft.com/office/mac/drawingml/2011/main" val="1"/>
             </a:ext>
           </a:extLst>
         </p:spPr>
@@ -1037,7 +1038,7 @@
               <a:pPr>
                 <a:defRPr/>
               </a:pPr>
-              <a:t>25</a:t>
+              <a:t>26</a:t>
             </a:fld>
             <a:r>
               <a:rPr lang="en-US" dirty="0" smtClean="0"/>
@@ -1091,7 +1092,7 @@
           <a:ln/>
           <a:extLst>
             <a:ext uri="{FAA26D3D-D897-4be2-8F04-BA451C77F1D7}">
-              <ma14:placeholderFlag xmlns:ma14="http://schemas.microsoft.com/office/mac/drawingml/2011/main" xmlns="" val="1"/>
+              <ma14:placeholderFlag xmlns="" xmlns:ma14="http://schemas.microsoft.com/office/mac/drawingml/2011/main" val="1"/>
             </a:ext>
           </a:extLst>
         </p:spPr>
@@ -1239,7 +1240,7 @@
               <a:pPr>
                 <a:defRPr/>
               </a:pPr>
-              <a:t>26</a:t>
+              <a:t>27</a:t>
             </a:fld>
             <a:r>
               <a:rPr lang="en-US" dirty="0" smtClean="0"/>
@@ -1306,125 +1307,61 @@
           <a:bodyPr/>
           <a:lstStyle/>
           <a:p>
+            <a:r>
+              <a:rPr lang="en-US" sz="1200" b="0" i="0" kern="1200" dirty="0" err="1" smtClean="0">
+                <a:solidFill>
+                  <a:schemeClr val="tx1"/>
+                </a:solidFill>
+                <a:effectLst/>
+                <a:latin typeface="+mn-lt"/>
+                <a:ea typeface="+mn-ea"/>
+                <a:cs typeface="+mn-cs"/>
+              </a:rPr>
+              <a:t>DDSteps</a:t>
+            </a:r>
+            <a:r>
+              <a:rPr lang="en-US" sz="1200" b="0" i="0" kern="1200" dirty="0" smtClean="0">
+                <a:solidFill>
+                  <a:schemeClr val="tx1"/>
+                </a:solidFill>
+                <a:effectLst/>
+                <a:latin typeface="+mn-lt"/>
+                <a:ea typeface="+mn-ea"/>
+                <a:cs typeface="+mn-cs"/>
+              </a:rPr>
+              <a:t> is a JUnit extension for building data driven test cases. </a:t>
+            </a:r>
             <a:endParaRPr lang="en-US" dirty="0"/>
           </a:p>
         </p:txBody>
       </p:sp>
       <p:sp>
         <p:nvSpPr>
-          <p:cNvPr id="4" name="Header Placeholder 3"/>
-          <p:cNvSpPr>
-            <a:spLocks noGrp="1"/>
-          </p:cNvSpPr>
-          <p:nvPr>
-            <p:ph type="hdr" sz="quarter" idx="10"/>
-          </p:nvPr>
-        </p:nvSpPr>
-        <p:spPr/>
-        <p:txBody>
-          <a:bodyPr/>
-          <a:lstStyle/>
-          <a:p>
-            <a:pPr>
-              <a:defRPr/>
-            </a:pPr>
-            <a:r>
-              <a:rPr lang="en-US" dirty="0" smtClean="0"/>
-              <a:t>SE 433</a:t>
-            </a:r>
-            <a:endParaRPr lang="en-US" dirty="0"/>
-          </a:p>
-        </p:txBody>
-      </p:sp>
-      <p:sp>
-        <p:nvSpPr>
-          <p:cNvPr id="5" name="Date Placeholder 4"/>
-          <p:cNvSpPr>
-            <a:spLocks noGrp="1"/>
-          </p:cNvSpPr>
-          <p:nvPr>
-            <p:ph type="dt" idx="11"/>
-          </p:nvPr>
-        </p:nvSpPr>
-        <p:spPr/>
-        <p:txBody>
-          <a:bodyPr/>
-          <a:lstStyle/>
-          <a:p>
-            <a:pPr>
-              <a:defRPr/>
-            </a:pPr>
-            <a:r>
-              <a:rPr lang="en-US" dirty="0" smtClean="0"/>
-              <a:t>April 11, 2017</a:t>
-            </a:r>
-            <a:endParaRPr lang="en-US" dirty="0"/>
-          </a:p>
-        </p:txBody>
-      </p:sp>
-      <p:sp>
-        <p:nvSpPr>
-          <p:cNvPr id="6" name="Footer Placeholder 5"/>
-          <p:cNvSpPr>
-            <a:spLocks noGrp="1"/>
-          </p:cNvSpPr>
-          <p:nvPr>
-            <p:ph type="ftr" sz="quarter" idx="12"/>
-          </p:nvPr>
-        </p:nvSpPr>
-        <p:spPr/>
-        <p:txBody>
-          <a:bodyPr/>
-          <a:lstStyle/>
-          <a:p>
-            <a:pPr>
-              <a:defRPr/>
-            </a:pPr>
-            <a:r>
-              <a:rPr lang="en-US" dirty="0" smtClean="0"/>
-              <a:t>Lecture 3</a:t>
-            </a:r>
-            <a:endParaRPr lang="en-US" dirty="0"/>
-          </a:p>
-        </p:txBody>
-      </p:sp>
-      <p:sp>
-        <p:nvSpPr>
-          <p:cNvPr id="7" name="Slide Number Placeholder 6"/>
-          <p:cNvSpPr>
-            <a:spLocks noGrp="1"/>
-          </p:cNvSpPr>
-          <p:nvPr>
-            <p:ph type="sldNum" sz="quarter" idx="13"/>
-          </p:nvPr>
-        </p:nvSpPr>
-        <p:spPr/>
-        <p:txBody>
-          <a:bodyPr/>
-          <a:lstStyle/>
-          <a:p>
-            <a:pPr>
-              <a:defRPr/>
-            </a:pPr>
-            <a:fld id="{F0410F35-0C47-794C-85F9-FC23048F5283}" type="slidenum">
-              <a:rPr lang="en-US" smtClean="0"/>
-              <a:pPr>
-                <a:defRPr/>
-              </a:pPr>
-              <a:t>31</a:t>
+          <p:cNvPr id="4" name="Slide Number Placeholder 3"/>
+          <p:cNvSpPr>
+            <a:spLocks noGrp="1"/>
+          </p:cNvSpPr>
+          <p:nvPr>
+            <p:ph type="sldNum" sz="quarter" idx="10"/>
+          </p:nvPr>
+        </p:nvSpPr>
+        <p:spPr/>
+        <p:txBody>
+          <a:bodyPr/>
+          <a:lstStyle/>
+          <a:p>
+            <a:fld id="{E6B68FCC-5174-4144-A2A5-4C67B81A8D8C}" type="slidenum">
+              <a:rPr lang="en-US" smtClean="0"/>
+              <a:t>30</a:t>
             </a:fld>
-            <a:r>
-              <a:rPr lang="en-US" dirty="0" smtClean="0"/>
-              <a:t> of 89</a:t>
-            </a:r>
-            <a:endParaRPr lang="en-US" dirty="0"/>
+            <a:endParaRPr lang="en-US"/>
           </a:p>
         </p:txBody>
       </p:sp>
     </p:spTree>
     <p:extLst>
       <p:ext uri="{BB962C8B-B14F-4D97-AF65-F5344CB8AC3E}">
-        <p14:creationId xmlns:p14="http://schemas.microsoft.com/office/powerpoint/2010/main" val="893261213"/>
+        <p14:creationId xmlns:p14="http://schemas.microsoft.com/office/powerpoint/2010/main" val="1599650368"/>
       </p:ext>
     </p:extLst>
   </p:cSld>
@@ -1453,28 +1390,21 @@
       </p:grpSpPr>
       <p:sp>
         <p:nvSpPr>
-          <p:cNvPr id="223234" name="Rectangle 2"/>
-          <p:cNvSpPr>
-            <a:spLocks noGrp="1" noRot="1" noChangeAspect="1" noChangeArrowheads="1" noTextEdit="1"/>
+          <p:cNvPr id="2" name="Slide Image Placeholder 1"/>
+          <p:cNvSpPr>
+            <a:spLocks noGrp="1" noRot="1" noChangeAspect="1"/>
           </p:cNvSpPr>
           <p:nvPr>
             <p:ph type="sldImg"/>
           </p:nvPr>
         </p:nvSpPr>
-        <p:spPr>
-          <a:ln/>
-          <a:extLst>
-            <a:ext uri="{FAA26D3D-D897-4be2-8F04-BA451C77F1D7}">
-              <ma14:placeholderFlag xmlns:ma14="http://schemas.microsoft.com/office/mac/drawingml/2011/main" xmlns="" val="1"/>
-            </a:ext>
-          </a:extLst>
-        </p:spPr>
-      </p:sp>
-      <p:sp>
-        <p:nvSpPr>
-          <p:cNvPr id="223235" name="Rectangle 3"/>
-          <p:cNvSpPr>
-            <a:spLocks noGrp="1" noChangeArrowheads="1"/>
+        <p:spPr/>
+      </p:sp>
+      <p:sp>
+        <p:nvSpPr>
+          <p:cNvPr id="3" name="Notes Placeholder 2"/>
+          <p:cNvSpPr>
+            <a:spLocks noGrp="1"/>
           </p:cNvSpPr>
           <p:nvPr>
             <p:ph type="body" idx="1"/>
@@ -1485,21 +1415,18 @@
           <a:bodyPr/>
           <a:lstStyle/>
           <a:p>
-            <a:r>
-              <a:rPr lang="en-US" dirty="0"/>
-              <a:t>A typical approach is to add a few hand-written test cases with a comparison-based test oracle, to cover properties that are difficult or too expensive to check with a general oracle.</a:t>
-            </a:r>
-          </a:p>
-        </p:txBody>
-      </p:sp>
-      <p:sp>
-        <p:nvSpPr>
-          <p:cNvPr id="6" name="Date Placeholder 5"/>
-          <p:cNvSpPr>
-            <a:spLocks noGrp="1"/>
-          </p:cNvSpPr>
-          <p:nvPr>
-            <p:ph type="dt" idx="10"/>
+            <a:endParaRPr lang="en-US" dirty="0"/>
+          </a:p>
+        </p:txBody>
+      </p:sp>
+      <p:sp>
+        <p:nvSpPr>
+          <p:cNvPr id="4" name="Header Placeholder 3"/>
+          <p:cNvSpPr>
+            <a:spLocks noGrp="1"/>
+          </p:cNvSpPr>
+          <p:nvPr>
+            <p:ph type="hdr" sz="quarter" idx="10"/>
           </p:nvPr>
         </p:nvSpPr>
         <p:spPr/>
@@ -1512,7 +1439,7 @@
             </a:pPr>
             <a:r>
               <a:rPr lang="en-US" dirty="0" smtClean="0"/>
-              <a:t>April 11, 2017</a:t>
+              <a:t>SE 433</a:t>
             </a:r>
             <a:endParaRPr lang="en-US" dirty="0"/>
           </a:p>
@@ -1520,12 +1447,12 @@
       </p:sp>
       <p:sp>
         <p:nvSpPr>
-          <p:cNvPr id="8" name="Footer Placeholder 7"/>
-          <p:cNvSpPr>
-            <a:spLocks noGrp="1"/>
-          </p:cNvSpPr>
-          <p:nvPr>
-            <p:ph type="ftr" sz="quarter" idx="11"/>
+          <p:cNvPr id="5" name="Date Placeholder 4"/>
+          <p:cNvSpPr>
+            <a:spLocks noGrp="1"/>
+          </p:cNvSpPr>
+          <p:nvPr>
+            <p:ph type="dt" idx="11"/>
           </p:nvPr>
         </p:nvSpPr>
         <p:spPr/>
@@ -1538,7 +1465,7 @@
             </a:pPr>
             <a:r>
               <a:rPr lang="en-US" dirty="0" smtClean="0"/>
-              <a:t>Lecture 3</a:t>
+              <a:t>April 11, 2017</a:t>
             </a:r>
             <a:endParaRPr lang="en-US" dirty="0"/>
           </a:p>
@@ -1546,12 +1473,12 @@
       </p:sp>
       <p:sp>
         <p:nvSpPr>
-          <p:cNvPr id="10" name="Header Placeholder 9"/>
-          <p:cNvSpPr>
-            <a:spLocks noGrp="1"/>
-          </p:cNvSpPr>
-          <p:nvPr>
-            <p:ph type="hdr" sz="quarter" idx="13"/>
+          <p:cNvPr id="6" name="Footer Placeholder 5"/>
+          <p:cNvSpPr>
+            <a:spLocks noGrp="1"/>
+          </p:cNvSpPr>
+          <p:nvPr>
+            <p:ph type="ftr" sz="quarter" idx="12"/>
           </p:nvPr>
         </p:nvSpPr>
         <p:spPr/>
@@ -1564,7 +1491,7 @@
             </a:pPr>
             <a:r>
               <a:rPr lang="en-US" dirty="0" smtClean="0"/>
-              <a:t>SE 433</a:t>
+              <a:t>Lecture 3</a:t>
             </a:r>
             <a:endParaRPr lang="en-US" dirty="0"/>
           </a:p>
@@ -1572,12 +1499,12 @@
       </p:sp>
       <p:sp>
         <p:nvSpPr>
-          <p:cNvPr id="2" name="Slide Number Placeholder 1"/>
-          <p:cNvSpPr>
-            <a:spLocks noGrp="1"/>
-          </p:cNvSpPr>
-          <p:nvPr>
-            <p:ph type="sldNum" sz="quarter" idx="14"/>
+          <p:cNvPr id="7" name="Slide Number Placeholder 6"/>
+          <p:cNvSpPr>
+            <a:spLocks noGrp="1"/>
+          </p:cNvSpPr>
+          <p:nvPr>
+            <p:ph type="sldNum" sz="quarter" idx="13"/>
           </p:nvPr>
         </p:nvSpPr>
         <p:spPr/>
@@ -1606,7 +1533,7 @@
     </p:spTree>
     <p:extLst>
       <p:ext uri="{BB962C8B-B14F-4D97-AF65-F5344CB8AC3E}">
-        <p14:creationId xmlns:p14="http://schemas.microsoft.com/office/powerpoint/2010/main" val="2711079915"/>
+        <p14:creationId xmlns:p14="http://schemas.microsoft.com/office/powerpoint/2010/main" val="893261213"/>
       </p:ext>
     </p:extLst>
   </p:cSld>
@@ -1635,7 +1562,7 @@
       </p:grpSpPr>
       <p:sp>
         <p:nvSpPr>
-          <p:cNvPr id="136194" name="Rectangle 2"/>
+          <p:cNvPr id="223234" name="Rectangle 2"/>
           <p:cNvSpPr>
             <a:spLocks noGrp="1" noRot="1" noChangeAspect="1" noChangeArrowheads="1" noTextEdit="1"/>
           </p:cNvSpPr>
@@ -1647,14 +1574,14 @@
           <a:ln/>
           <a:extLst>
             <a:ext uri="{FAA26D3D-D897-4be2-8F04-BA451C77F1D7}">
-              <ma14:placeholderFlag xmlns:ma14="http://schemas.microsoft.com/office/mac/drawingml/2011/main" xmlns="" val="1"/>
+              <ma14:placeholderFlag xmlns="" xmlns:ma14="http://schemas.microsoft.com/office/mac/drawingml/2011/main" val="1"/>
             </a:ext>
           </a:extLst>
         </p:spPr>
       </p:sp>
       <p:sp>
         <p:nvSpPr>
-          <p:cNvPr id="136195" name="Rectangle 3"/>
+          <p:cNvPr id="223235" name="Rectangle 3"/>
           <p:cNvSpPr>
             <a:spLocks noGrp="1" noChangeArrowheads="1"/>
           </p:cNvSpPr>
@@ -1667,7 +1594,10 @@
           <a:bodyPr/>
           <a:lstStyle/>
           <a:p>
-            <a:endParaRPr lang="it-IT" dirty="0"/>
+            <a:r>
+              <a:rPr lang="en-US" dirty="0"/>
+              <a:t>A typical approach is to add a few hand-written test cases with a comparison-based test oracle, to cover properties that are difficult or too expensive to check with a general oracle.</a:t>
+            </a:r>
           </a:p>
         </p:txBody>
       </p:sp>
@@ -1772,7 +1702,186 @@
               <a:pPr>
                 <a:defRPr/>
               </a:pPr>
-              <a:t>36</a:t>
+              <a:t>33</a:t>
+            </a:fld>
+            <a:r>
+              <a:rPr lang="en-US" dirty="0" smtClean="0"/>
+              <a:t> of 89</a:t>
+            </a:r>
+            <a:endParaRPr lang="en-US" dirty="0"/>
+          </a:p>
+        </p:txBody>
+      </p:sp>
+    </p:spTree>
+    <p:extLst>
+      <p:ext uri="{BB962C8B-B14F-4D97-AF65-F5344CB8AC3E}">
+        <p14:creationId xmlns:p14="http://schemas.microsoft.com/office/powerpoint/2010/main" val="2711079915"/>
+      </p:ext>
+    </p:extLst>
+  </p:cSld>
+  <p:clrMapOvr>
+    <a:masterClrMapping/>
+  </p:clrMapOvr>
+</p:notes>
+</file>
+
+<file path=ppt/notesSlides/notesSlide8.xml><?xml version="1.0" encoding="utf-8"?>
+<p:notes xmlns:a="http://schemas.openxmlformats.org/drawingml/2006/main" xmlns:r="http://schemas.openxmlformats.org/officeDocument/2006/relationships" xmlns:p="http://schemas.openxmlformats.org/presentationml/2006/main">
+  <p:cSld>
+    <p:spTree>
+      <p:nvGrpSpPr>
+        <p:cNvPr id="1" name=""/>
+        <p:cNvGrpSpPr/>
+        <p:nvPr/>
+      </p:nvGrpSpPr>
+      <p:grpSpPr>
+        <a:xfrm>
+          <a:off x="0" y="0"/>
+          <a:ext cx="0" cy="0"/>
+          <a:chOff x="0" y="0"/>
+          <a:chExt cx="0" cy="0"/>
+        </a:xfrm>
+      </p:grpSpPr>
+      <p:sp>
+        <p:nvSpPr>
+          <p:cNvPr id="136194" name="Rectangle 2"/>
+          <p:cNvSpPr>
+            <a:spLocks noGrp="1" noRot="1" noChangeAspect="1" noChangeArrowheads="1" noTextEdit="1"/>
+          </p:cNvSpPr>
+          <p:nvPr>
+            <p:ph type="sldImg"/>
+          </p:nvPr>
+        </p:nvSpPr>
+        <p:spPr>
+          <a:ln/>
+          <a:extLst>
+            <a:ext uri="{FAA26D3D-D897-4be2-8F04-BA451C77F1D7}">
+              <ma14:placeholderFlag xmlns="" xmlns:ma14="http://schemas.microsoft.com/office/mac/drawingml/2011/main" val="1"/>
+            </a:ext>
+          </a:extLst>
+        </p:spPr>
+      </p:sp>
+      <p:sp>
+        <p:nvSpPr>
+          <p:cNvPr id="136195" name="Rectangle 3"/>
+          <p:cNvSpPr>
+            <a:spLocks noGrp="1" noChangeArrowheads="1"/>
+          </p:cNvSpPr>
+          <p:nvPr>
+            <p:ph type="body" idx="1"/>
+          </p:nvPr>
+        </p:nvSpPr>
+        <p:spPr/>
+        <p:txBody>
+          <a:bodyPr/>
+          <a:lstStyle/>
+          <a:p>
+            <a:endParaRPr lang="it-IT" dirty="0"/>
+          </a:p>
+        </p:txBody>
+      </p:sp>
+      <p:sp>
+        <p:nvSpPr>
+          <p:cNvPr id="6" name="Date Placeholder 5"/>
+          <p:cNvSpPr>
+            <a:spLocks noGrp="1"/>
+          </p:cNvSpPr>
+          <p:nvPr>
+            <p:ph type="dt" idx="10"/>
+          </p:nvPr>
+        </p:nvSpPr>
+        <p:spPr/>
+        <p:txBody>
+          <a:bodyPr/>
+          <a:lstStyle/>
+          <a:p>
+            <a:pPr>
+              <a:defRPr/>
+            </a:pPr>
+            <a:r>
+              <a:rPr lang="en-US" dirty="0" smtClean="0"/>
+              <a:t>April 11, 2017</a:t>
+            </a:r>
+            <a:endParaRPr lang="en-US" dirty="0"/>
+          </a:p>
+        </p:txBody>
+      </p:sp>
+      <p:sp>
+        <p:nvSpPr>
+          <p:cNvPr id="8" name="Footer Placeholder 7"/>
+          <p:cNvSpPr>
+            <a:spLocks noGrp="1"/>
+          </p:cNvSpPr>
+          <p:nvPr>
+            <p:ph type="ftr" sz="quarter" idx="11"/>
+          </p:nvPr>
+        </p:nvSpPr>
+        <p:spPr/>
+        <p:txBody>
+          <a:bodyPr/>
+          <a:lstStyle/>
+          <a:p>
+            <a:pPr>
+              <a:defRPr/>
+            </a:pPr>
+            <a:r>
+              <a:rPr lang="en-US" dirty="0" smtClean="0"/>
+              <a:t>Lecture 3</a:t>
+            </a:r>
+            <a:endParaRPr lang="en-US" dirty="0"/>
+          </a:p>
+        </p:txBody>
+      </p:sp>
+      <p:sp>
+        <p:nvSpPr>
+          <p:cNvPr id="10" name="Header Placeholder 9"/>
+          <p:cNvSpPr>
+            <a:spLocks noGrp="1"/>
+          </p:cNvSpPr>
+          <p:nvPr>
+            <p:ph type="hdr" sz="quarter" idx="13"/>
+          </p:nvPr>
+        </p:nvSpPr>
+        <p:spPr/>
+        <p:txBody>
+          <a:bodyPr/>
+          <a:lstStyle/>
+          <a:p>
+            <a:pPr>
+              <a:defRPr/>
+            </a:pPr>
+            <a:r>
+              <a:rPr lang="en-US" dirty="0" smtClean="0"/>
+              <a:t>SE 433</a:t>
+            </a:r>
+            <a:endParaRPr lang="en-US" dirty="0"/>
+          </a:p>
+        </p:txBody>
+      </p:sp>
+      <p:sp>
+        <p:nvSpPr>
+          <p:cNvPr id="2" name="Slide Number Placeholder 1"/>
+          <p:cNvSpPr>
+            <a:spLocks noGrp="1"/>
+          </p:cNvSpPr>
+          <p:nvPr>
+            <p:ph type="sldNum" sz="quarter" idx="14"/>
+          </p:nvPr>
+        </p:nvSpPr>
+        <p:spPr/>
+        <p:txBody>
+          <a:bodyPr/>
+          <a:lstStyle/>
+          <a:p>
+            <a:pPr>
+              <a:defRPr/>
+            </a:pPr>
+            <a:fld id="{F0410F35-0C47-794C-85F9-FC23048F5283}" type="slidenum">
+              <a:rPr lang="en-US" smtClean="0"/>
+              <a:pPr>
+                <a:defRPr/>
+              </a:pPr>
+              <a:t>37</a:t>
             </a:fld>
             <a:r>
               <a:rPr lang="en-US" dirty="0" smtClean="0"/>
@@ -1940,7 +2049,7 @@
           <a:p>
             <a:fld id="{22494048-E00F-4AC1-B4FB-686A894F4BF1}" type="datetime1">
               <a:rPr lang="en-US" smtClean="0"/>
-              <a:t>2/10/2021</a:t>
+              <a:t>9/21/2021</a:t>
             </a:fld>
             <a:endParaRPr lang="en-US"/>
           </a:p>
@@ -2191,7 +2300,7 @@
           <a:p>
             <a:fld id="{78C8194D-BA99-4D56-819C-D278CCA771C8}" type="datetime1">
               <a:rPr lang="en-US" smtClean="0"/>
-              <a:t>2/10/2021</a:t>
+              <a:t>9/21/2021</a:t>
             </a:fld>
             <a:endParaRPr lang="en-US"/>
           </a:p>
@@ -2371,7 +2480,7 @@
           <a:p>
             <a:fld id="{94613451-ED4A-47B2-87C8-6FE8EF1245A9}" type="datetime1">
               <a:rPr lang="en-US" smtClean="0"/>
-              <a:t>2/10/2021</a:t>
+              <a:t>9/21/2021</a:t>
             </a:fld>
             <a:endParaRPr lang="en-US"/>
           </a:p>
@@ -2617,7 +2726,7 @@
           <a:p>
             <a:fld id="{A88DAFA6-470F-4856-8C77-B0C2461EAD9C}" type="datetime1">
               <a:rPr lang="en-US" altLang="en-US" smtClean="0"/>
-              <a:t>2/10/2021</a:t>
+              <a:t>9/21/2021</a:t>
             </a:fld>
             <a:endParaRPr lang="en-US" altLang="en-US" dirty="0"/>
           </a:p>
@@ -2823,7 +2932,7 @@
           <a:p>
             <a:fld id="{D98B30E1-5E87-4BB7-B950-E97C0CDBF3C8}" type="datetime1">
               <a:rPr lang="en-US" smtClean="0"/>
-              <a:t>2/10/2021</a:t>
+              <a:t>9/21/2021</a:t>
             </a:fld>
             <a:endParaRPr lang="en-US"/>
           </a:p>
@@ -3069,7 +3178,7 @@
           <a:p>
             <a:fld id="{1DDFC4E7-36A5-4949-A2D3-24712CC604F7}" type="datetime1">
               <a:rPr lang="en-US" smtClean="0"/>
-              <a:t>2/10/2021</a:t>
+              <a:t>9/21/2021</a:t>
             </a:fld>
             <a:endParaRPr lang="en-US"/>
           </a:p>
@@ -3301,7 +3410,7 @@
           <a:p>
             <a:fld id="{069E10FE-283F-403B-A4F0-E241DA85DB8D}" type="datetime1">
               <a:rPr lang="en-US" smtClean="0"/>
-              <a:t>2/10/2021</a:t>
+              <a:t>9/21/2021</a:t>
             </a:fld>
             <a:endParaRPr lang="en-US"/>
           </a:p>
@@ -3668,7 +3777,7 @@
           <a:p>
             <a:fld id="{42225CAC-C01D-4CA0-98FD-7EC6D89E8F91}" type="datetime1">
               <a:rPr lang="en-US" smtClean="0"/>
-              <a:t>2/10/2021</a:t>
+              <a:t>9/21/2021</a:t>
             </a:fld>
             <a:endParaRPr lang="en-US"/>
           </a:p>
@@ -3786,7 +3895,7 @@
           <a:p>
             <a:fld id="{07C88240-A4B1-46C4-96E3-48EB0E9D5573}" type="datetime1">
               <a:rPr lang="en-US" smtClean="0"/>
-              <a:t>2/10/2021</a:t>
+              <a:t>9/21/2021</a:t>
             </a:fld>
             <a:endParaRPr lang="en-US"/>
           </a:p>
@@ -3881,7 +3990,7 @@
           <a:p>
             <a:fld id="{A7E6A135-212F-4628-BF58-A98A2936E463}" type="datetime1">
               <a:rPr lang="en-US" smtClean="0"/>
-              <a:t>2/10/2021</a:t>
+              <a:t>9/21/2021</a:t>
             </a:fld>
             <a:endParaRPr lang="en-US"/>
           </a:p>
@@ -4158,7 +4267,7 @@
           <a:p>
             <a:fld id="{576334E7-57A6-4DA3-8ADA-F1BAF2C20CE5}" type="datetime1">
               <a:rPr lang="en-US" smtClean="0"/>
-              <a:t>2/10/2021</a:t>
+              <a:t>9/21/2021</a:t>
             </a:fld>
             <a:endParaRPr lang="en-US"/>
           </a:p>
@@ -4411,7 +4520,7 @@
           <a:p>
             <a:fld id="{86F98AE5-2B3E-4DFE-83A2-676C45A3AA5A}" type="datetime1">
               <a:rPr lang="en-US" smtClean="0"/>
-              <a:t>2/10/2021</a:t>
+              <a:t>9/21/2021</a:t>
             </a:fld>
             <a:endParaRPr lang="en-US"/>
           </a:p>
@@ -4625,7 +4734,7 @@
           <a:p>
             <a:fld id="{415A01DC-2099-4C8B-B4F3-C0EAB13493FD}" type="datetime1">
               <a:rPr lang="en-US" smtClean="0"/>
-              <a:t>2/10/2021</a:t>
+              <a:t>9/21/2021</a:t>
             </a:fld>
             <a:endParaRPr lang="en-US"/>
           </a:p>
@@ -5236,51 +5345,110 @@
         </p:nvSpPr>
         <p:spPr/>
         <p:txBody>
-          <a:bodyPr/>
-          <a:lstStyle/>
-          <a:p>
-            <a:r>
-              <a:rPr lang="en-US" dirty="0" smtClean="0"/>
-              <a:t>Boundary </a:t>
-            </a:r>
-            <a:r>
-              <a:rPr lang="en-US" dirty="0"/>
-              <a:t>Value Analysis (BVA): </a:t>
+          <a:bodyPr>
+            <a:normAutofit fontScale="92500" lnSpcReduction="10000"/>
+          </a:bodyPr>
+          <a:lstStyle/>
+          <a:p>
+            <a:r>
+              <a:rPr lang="en-US" dirty="0" smtClean="0"/>
+              <a:t>Test </a:t>
+            </a:r>
+            <a:r>
+              <a:rPr lang="en-US" dirty="0"/>
+              <a:t>Cases need to be simple and transparent:</a:t>
+            </a:r>
+          </a:p>
+          <a:p>
+            <a:r>
+              <a:rPr lang="en-US" dirty="0" smtClean="0"/>
+              <a:t>Create </a:t>
+            </a:r>
+            <a:r>
+              <a:rPr lang="en-US" dirty="0"/>
+              <a:t>Test </a:t>
+            </a:r>
+            <a:r>
+              <a:rPr lang="en-US" dirty="0" smtClean="0"/>
+              <a:t>Case with end user in mind</a:t>
+            </a:r>
+            <a:endParaRPr lang="en-US" dirty="0"/>
+          </a:p>
+          <a:p>
+            <a:r>
+              <a:rPr lang="en-US" dirty="0" smtClean="0"/>
+              <a:t>Avoid </a:t>
+            </a:r>
+            <a:r>
+              <a:rPr lang="en-US" dirty="0"/>
+              <a:t>test case repetition.</a:t>
+            </a:r>
+          </a:p>
+          <a:p>
+            <a:r>
+              <a:rPr lang="en-US" dirty="0" smtClean="0"/>
+              <a:t>Do </a:t>
+            </a:r>
+            <a:r>
+              <a:rPr lang="en-US" dirty="0"/>
+              <a:t>not Assume</a:t>
+            </a:r>
+          </a:p>
+          <a:p>
+            <a:pPr lvl="1"/>
+            <a:r>
+              <a:rPr lang="en-US" dirty="0"/>
+              <a:t>Stick to the Specification Documents.</a:t>
+            </a:r>
+          </a:p>
+          <a:p>
+            <a:r>
+              <a:rPr lang="en-US" dirty="0" smtClean="0"/>
+              <a:t>Ensure </a:t>
+            </a:r>
+            <a:r>
+              <a:rPr lang="en-US" dirty="0"/>
+              <a:t>100% Coverage</a:t>
+            </a:r>
+          </a:p>
+          <a:p>
+            <a:r>
+              <a:rPr lang="en-US" dirty="0" smtClean="0"/>
+              <a:t>Test </a:t>
+            </a:r>
+            <a:r>
+              <a:rPr lang="en-US" dirty="0"/>
+              <a:t>Cases must be identifiable.</a:t>
+            </a:r>
+          </a:p>
+          <a:p>
+            <a:r>
+              <a:rPr lang="en-US" dirty="0" smtClean="0"/>
+              <a:t>Implement </a:t>
+            </a:r>
+            <a:r>
+              <a:rPr lang="en-US" dirty="0"/>
+              <a:t>Testing Techniques</a:t>
+            </a:r>
+          </a:p>
+          <a:p>
+            <a:pPr lvl="1"/>
+            <a:r>
+              <a:rPr lang="en-US" dirty="0"/>
+              <a:t>It's not possible to check every possible condition in your software application. </a:t>
             </a:r>
             <a:endParaRPr lang="en-US" dirty="0" smtClean="0"/>
           </a:p>
           <a:p>
             <a:pPr lvl="1"/>
             <a:r>
-              <a:rPr lang="en-US" dirty="0"/>
-              <a:t>testing of boundaries for specified range of values.</a:t>
-            </a:r>
-          </a:p>
-          <a:p>
-            <a:r>
-              <a:rPr lang="en-US" dirty="0" smtClean="0"/>
-              <a:t>Repeatable </a:t>
-            </a:r>
-            <a:r>
-              <a:rPr lang="en-US" dirty="0"/>
-              <a:t>and self-standing</a:t>
-            </a:r>
-          </a:p>
-          <a:p>
-            <a:pPr lvl="1"/>
-            <a:r>
-              <a:rPr lang="en-US" dirty="0"/>
-              <a:t>The test case should generate the same results every time no matter who tests it</a:t>
-            </a:r>
-          </a:p>
-          <a:p>
-            <a:pPr marL="0" indent="0">
-              <a:buNone/>
-            </a:pPr>
-            <a:endParaRPr lang="en-US" dirty="0"/>
-          </a:p>
-          <a:p>
-            <a:endParaRPr lang="en-US" dirty="0"/>
+              <a:rPr lang="en-US" dirty="0" smtClean="0"/>
+              <a:t>Testing </a:t>
+            </a:r>
+            <a:r>
+              <a:rPr lang="en-US" dirty="0"/>
+              <a:t>techniques help you select a few test cases with the maximum possibility of finding a defect.</a:t>
+            </a:r>
           </a:p>
         </p:txBody>
       </p:sp>
@@ -5310,7 +5478,7 @@
     </p:spTree>
     <p:extLst>
       <p:ext uri="{BB962C8B-B14F-4D97-AF65-F5344CB8AC3E}">
-        <p14:creationId xmlns:p14="http://schemas.microsoft.com/office/powerpoint/2010/main" val="1189764393"/>
+        <p14:creationId xmlns:p14="http://schemas.microsoft.com/office/powerpoint/2010/main" val="688579603"/>
       </p:ext>
     </p:extLst>
   </p:cSld>
@@ -5354,7 +5522,7 @@
           <a:p>
             <a:r>
               <a:rPr lang="en-US" dirty="0" smtClean="0"/>
-              <a:t>Writing a test case</a:t>
+              <a:t>Writing Good Test Cases</a:t>
             </a:r>
             <a:endParaRPr lang="en-US" dirty="0"/>
           </a:p>
@@ -5370,128 +5538,50 @@
             <p:ph idx="1"/>
           </p:nvPr>
         </p:nvSpPr>
-        <p:spPr>
-          <a:xfrm>
-            <a:off x="838200" y="1690688"/>
-            <a:ext cx="10515600" cy="4665661"/>
-          </a:xfrm>
-        </p:spPr>
-        <p:txBody>
-          <a:bodyPr>
-            <a:normAutofit/>
-          </a:bodyPr>
-          <a:lstStyle/>
+        <p:spPr/>
+        <p:txBody>
+          <a:bodyPr/>
+          <a:lstStyle/>
+          <a:p>
+            <a:r>
+              <a:rPr lang="en-US" dirty="0" smtClean="0"/>
+              <a:t>Boundary </a:t>
+            </a:r>
+            <a:r>
+              <a:rPr lang="en-US" dirty="0"/>
+              <a:t>Value Analysis (BVA): </a:t>
+            </a:r>
+            <a:endParaRPr lang="en-US" dirty="0" smtClean="0"/>
+          </a:p>
+          <a:p>
+            <a:pPr lvl="1"/>
+            <a:r>
+              <a:rPr lang="en-US" dirty="0"/>
+              <a:t>testing of boundaries for specified range of values.</a:t>
+            </a:r>
+          </a:p>
+          <a:p>
+            <a:r>
+              <a:rPr lang="en-US" dirty="0" smtClean="0"/>
+              <a:t>Repeatable </a:t>
+            </a:r>
+            <a:r>
+              <a:rPr lang="en-US" dirty="0"/>
+              <a:t>and self-standing</a:t>
+            </a:r>
+          </a:p>
+          <a:p>
+            <a:pPr lvl="1"/>
+            <a:r>
+              <a:rPr lang="en-US" dirty="0"/>
+              <a:t>The test case should generate the same results every time no matter who tests it</a:t>
+            </a:r>
+          </a:p>
           <a:p>
             <a:pPr marL="0" indent="0">
               <a:buNone/>
             </a:pPr>
-            <a:r>
-              <a:rPr lang="en-US" dirty="0"/>
-              <a:t>While drafting a test case do include the following information</a:t>
-            </a:r>
-          </a:p>
-          <a:p>
-            <a:r>
-              <a:rPr lang="en-US" dirty="0"/>
-              <a:t>The description of what requirement is being tested</a:t>
-            </a:r>
-          </a:p>
-          <a:p>
-            <a:r>
-              <a:rPr lang="en-US" dirty="0" smtClean="0"/>
-              <a:t>Inputs </a:t>
-            </a:r>
-            <a:r>
-              <a:rPr lang="en-US" dirty="0"/>
-              <a:t>and outputs or actions and expected </a:t>
-            </a:r>
-            <a:r>
-              <a:rPr lang="en-US" dirty="0" smtClean="0"/>
-              <a:t>results</a:t>
-            </a:r>
-          </a:p>
-          <a:p>
-            <a:pPr lvl="1"/>
-            <a:r>
-              <a:rPr lang="en-US" dirty="0" smtClean="0"/>
-              <a:t>Test </a:t>
-            </a:r>
-            <a:r>
-              <a:rPr lang="en-US" dirty="0"/>
-              <a:t>case must have an expected result</a:t>
-            </a:r>
-            <a:r>
-              <a:rPr lang="en-US" dirty="0" smtClean="0"/>
-              <a:t>.</a:t>
-            </a:r>
-          </a:p>
-          <a:p>
-            <a:pPr marL="457200" lvl="1" indent="0">
-              <a:buNone/>
-            </a:pPr>
-            <a:endParaRPr lang="en-US" dirty="0" smtClean="0"/>
-          </a:p>
-          <a:p>
-            <a:r>
-              <a:rPr lang="en-US" dirty="0"/>
-              <a:t>Verify the results are correct</a:t>
-            </a:r>
-          </a:p>
-          <a:p>
-            <a:pPr lvl="1">
-              <a:buClr>
-                <a:schemeClr val="tx1"/>
-              </a:buClr>
-              <a:buSzPct val="90000"/>
-              <a:buFont typeface="Wingdings" charset="2"/>
-              <a:buChar char="ü"/>
-            </a:pPr>
-            <a:r>
-              <a:rPr lang="en-US" dirty="0"/>
-              <a:t>Testing Normal Conditions</a:t>
-            </a:r>
-          </a:p>
-          <a:p>
-            <a:pPr lvl="1">
-              <a:buClr>
-                <a:schemeClr val="tx1"/>
-              </a:buClr>
-              <a:buSzPct val="90000"/>
-              <a:buFont typeface="Wingdings" charset="2"/>
-              <a:buChar char="ü"/>
-            </a:pPr>
-            <a:r>
-              <a:rPr lang="en-US" dirty="0"/>
-              <a:t>Testing Unexpected Conditions</a:t>
-            </a:r>
-          </a:p>
-          <a:p>
-            <a:pPr lvl="1">
-              <a:buClr>
-                <a:schemeClr val="tx1"/>
-              </a:buClr>
-              <a:buSzPct val="90000"/>
-              <a:buFont typeface="Wingdings" charset="2"/>
-              <a:buChar char="ü"/>
-            </a:pPr>
-            <a:r>
-              <a:rPr lang="en-US" dirty="0"/>
-              <a:t>Bad (Illegal) Input Values</a:t>
-            </a:r>
-          </a:p>
-          <a:p>
-            <a:pPr lvl="1">
-              <a:buClr>
-                <a:schemeClr val="tx1"/>
-              </a:buClr>
-              <a:buSzPct val="90000"/>
-              <a:buFont typeface="Wingdings" charset="2"/>
-              <a:buChar char="ü"/>
-            </a:pPr>
-            <a:r>
-              <a:rPr lang="en-US" dirty="0"/>
-              <a:t>Boundary Conditions</a:t>
-            </a:r>
+            <a:endParaRPr lang="en-US" dirty="0"/>
           </a:p>
           <a:p>
             <a:endParaRPr lang="en-US" dirty="0"/>
@@ -5524,7 +5614,7 @@
     </p:spTree>
     <p:extLst>
       <p:ext uri="{BB962C8B-B14F-4D97-AF65-F5344CB8AC3E}">
-        <p14:creationId xmlns:p14="http://schemas.microsoft.com/office/powerpoint/2010/main" val="2681382523"/>
+        <p14:creationId xmlns:p14="http://schemas.microsoft.com/office/powerpoint/2010/main" val="1189764393"/>
       </p:ext>
     </p:extLst>
   </p:cSld>
@@ -5568,7 +5658,7 @@
           <a:p>
             <a:r>
               <a:rPr lang="en-US" dirty="0" smtClean="0"/>
-              <a:t>Writing test cases</a:t>
+              <a:t>Writing a test case</a:t>
             </a:r>
             <a:endParaRPr lang="en-US" dirty="0"/>
           </a:p>
@@ -5584,85 +5674,131 @@
             <p:ph idx="1"/>
           </p:nvPr>
         </p:nvSpPr>
-        <p:spPr/>
+        <p:spPr>
+          <a:xfrm>
+            <a:off x="838200" y="1690688"/>
+            <a:ext cx="10515600" cy="4665661"/>
+          </a:xfrm>
+        </p:spPr>
         <p:txBody>
           <a:bodyPr>
-            <a:normAutofit lnSpcReduction="10000"/>
+            <a:normAutofit/>
           </a:bodyPr>
           <a:lstStyle/>
           <a:p>
-            <a:r>
-              <a:rPr lang="en-US" dirty="0" smtClean="0"/>
-              <a:t>Cover all possible valid input</a:t>
+            <a:pPr marL="0" indent="0">
+              <a:buNone/>
+            </a:pPr>
+            <a:r>
+              <a:rPr lang="en-US" dirty="0"/>
+              <a:t>While drafting a test case do include the following information</a:t>
+            </a:r>
+          </a:p>
+          <a:p>
+            <a:r>
+              <a:rPr lang="en-US" dirty="0"/>
+              <a:t>The description of what requirement is being tested</a:t>
+            </a:r>
+          </a:p>
+          <a:p>
+            <a:r>
+              <a:rPr lang="en-US" dirty="0" smtClean="0"/>
+              <a:t>Inputs </a:t>
+            </a:r>
+            <a:r>
+              <a:rPr lang="en-US" dirty="0"/>
+              <a:t>and outputs or actions and expected </a:t>
+            </a:r>
+            <a:r>
+              <a:rPr lang="en-US" dirty="0" smtClean="0"/>
+              <a:t>results</a:t>
             </a:r>
           </a:p>
           <a:p>
             <a:pPr lvl="1"/>
             <a:r>
-              <a:rPr lang="en-US" dirty="0"/>
-              <a:t>Try multiple sets of values, not just one set of values</a:t>
-            </a:r>
-          </a:p>
-          <a:p>
-            <a:pPr lvl="1"/>
-            <a:r>
-              <a:rPr lang="en-US" dirty="0"/>
-              <a:t>Permutations of values</a:t>
-            </a:r>
-          </a:p>
-          <a:p>
-            <a:r>
-              <a:rPr lang="en-US" dirty="0" smtClean="0"/>
-              <a:t>Check boundary conditions</a:t>
-            </a:r>
-          </a:p>
-          <a:p>
-            <a:pPr lvl="1"/>
-            <a:r>
-              <a:rPr lang="en-US" dirty="0"/>
-              <a:t>Check for off-by-one conditions</a:t>
-            </a:r>
-          </a:p>
-          <a:p>
-            <a:r>
-              <a:rPr lang="en-US" dirty="0" smtClean="0"/>
-              <a:t>Check invalid input</a:t>
-            </a:r>
-          </a:p>
-          <a:p>
-            <a:pPr lvl="1"/>
-            <a:r>
-              <a:rPr lang="en-US" dirty="0"/>
-              <a:t>Illegal sets of value</a:t>
-            </a:r>
-          </a:p>
-          <a:p>
-            <a:pPr lvl="1"/>
-            <a:r>
-              <a:rPr lang="en-US" dirty="0"/>
-              <a:t>Illegal input</a:t>
-            </a:r>
-          </a:p>
-          <a:p>
-            <a:pPr lvl="2"/>
-            <a:r>
-              <a:rPr lang="en-US" sz="2400" dirty="0"/>
-              <a:t>Impossible conditions</a:t>
-            </a:r>
-          </a:p>
-          <a:p>
-            <a:pPr lvl="1"/>
-            <a:r>
-              <a:rPr lang="en-US" dirty="0"/>
-              <a:t>Totally bad input</a:t>
-            </a:r>
-          </a:p>
-          <a:p>
-            <a:pPr lvl="2"/>
-            <a:r>
-              <a:rPr lang="en-US" sz="2400" dirty="0"/>
-              <a:t>Text vs. Numbers, etc.</a:t>
-            </a:r>
+              <a:rPr lang="en-US" dirty="0" smtClean="0"/>
+              <a:t>Test </a:t>
+            </a:r>
+            <a:r>
+              <a:rPr lang="en-US" dirty="0"/>
+              <a:t>case must have an expected result</a:t>
+            </a:r>
+            <a:r>
+              <a:rPr lang="en-US" dirty="0" smtClean="0"/>
+              <a:t>.</a:t>
+            </a:r>
+          </a:p>
+          <a:p>
+            <a:pPr marL="457200" lvl="1" indent="0">
+              <a:buNone/>
+            </a:pPr>
+            <a:endParaRPr lang="en-US" dirty="0" smtClean="0"/>
+          </a:p>
+          <a:p>
+            <a:r>
+              <a:rPr lang="en-US" dirty="0"/>
+              <a:t>Verify the results are correct</a:t>
+            </a:r>
+          </a:p>
+          <a:p>
+            <a:pPr lvl="1">
+              <a:buClr>
+                <a:schemeClr val="tx1"/>
+              </a:buClr>
+              <a:buSzPct val="90000"/>
+              <a:buFont typeface="Wingdings" charset="2"/>
+              <a:buChar char="ü"/>
+            </a:pPr>
+            <a:r>
+              <a:rPr lang="en-US" dirty="0"/>
+              <a:t>Testing Normal Conditions</a:t>
+            </a:r>
+          </a:p>
+          <a:p>
+            <a:pPr lvl="1">
+              <a:buClr>
+                <a:schemeClr val="tx1"/>
+              </a:buClr>
+              <a:buSzPct val="90000"/>
+              <a:buFont typeface="Wingdings" charset="2"/>
+              <a:buChar char="ü"/>
+            </a:pPr>
+            <a:r>
+              <a:rPr lang="en-US" dirty="0"/>
+              <a:t>Testing Unexpected Conditions</a:t>
+            </a:r>
+          </a:p>
+          <a:p>
+            <a:pPr lvl="1">
+              <a:buClr>
+                <a:schemeClr val="tx1"/>
+              </a:buClr>
+              <a:buSzPct val="90000"/>
+              <a:buFont typeface="Wingdings" charset="2"/>
+              <a:buChar char="ü"/>
+            </a:pPr>
+            <a:r>
+              <a:rPr lang="en-US" dirty="0"/>
+              <a:t>Bad (Illegal) Input Values</a:t>
+            </a:r>
+          </a:p>
+          <a:p>
+            <a:pPr lvl="1">
+              <a:buClr>
+                <a:schemeClr val="tx1"/>
+              </a:buClr>
+              <a:buSzPct val="90000"/>
+              <a:buFont typeface="Wingdings" charset="2"/>
+              <a:buChar char="ü"/>
+            </a:pPr>
+            <a:r>
+              <a:rPr lang="en-US" dirty="0"/>
+              <a:t>Boundary Conditions</a:t>
+            </a:r>
+          </a:p>
+          <a:p>
+            <a:endParaRPr lang="en-US" dirty="0"/>
           </a:p>
         </p:txBody>
       </p:sp>
@@ -5692,7 +5828,7 @@
     </p:spTree>
     <p:extLst>
       <p:ext uri="{BB962C8B-B14F-4D97-AF65-F5344CB8AC3E}">
-        <p14:creationId xmlns:p14="http://schemas.microsoft.com/office/powerpoint/2010/main" val="598967853"/>
+        <p14:creationId xmlns:p14="http://schemas.microsoft.com/office/powerpoint/2010/main" val="2681382523"/>
       </p:ext>
     </p:extLst>
   </p:cSld>
@@ -5752,145 +5888,85 @@
             <p:ph idx="1"/>
           </p:nvPr>
         </p:nvSpPr>
-        <p:spPr>
-          <a:xfrm>
-            <a:off x="838200" y="1690688"/>
-            <a:ext cx="10515600" cy="4801552"/>
-          </a:xfrm>
-        </p:spPr>
+        <p:spPr/>
         <p:txBody>
           <a:bodyPr>
-            <a:normAutofit fontScale="92500" lnSpcReduction="10000"/>
+            <a:normAutofit lnSpcReduction="10000"/>
           </a:bodyPr>
           <a:lstStyle/>
           <a:p>
-            <a:pPr marL="0" indent="0">
-              <a:buNone/>
-            </a:pPr>
-            <a:r>
-              <a:rPr lang="en-US" sz="2300" dirty="0"/>
-              <a:t>Let’s consider the triangle example</a:t>
-            </a:r>
-          </a:p>
-          <a:p>
-            <a:r>
-              <a:rPr lang="en-US" sz="2300" dirty="0"/>
+            <a:r>
+              <a:rPr lang="en-US" dirty="0" smtClean="0"/>
               <a:t>Cover all possible valid input</a:t>
             </a:r>
           </a:p>
           <a:p>
             <a:pPr lvl="1"/>
             <a:r>
-              <a:rPr lang="en-US" sz="2100" dirty="0" smtClean="0"/>
-              <a:t>all three possible conditions: </a:t>
-            </a:r>
-            <a:r>
-              <a:rPr lang="en-US" sz="2100" b="1" dirty="0" smtClean="0"/>
-              <a:t>equilateral, isosceles, scalene</a:t>
+              <a:rPr lang="en-US" dirty="0"/>
+              <a:t>Try multiple sets of values, not just one set of values</a:t>
             </a:r>
           </a:p>
           <a:p>
             <a:pPr lvl="1"/>
             <a:r>
-              <a:rPr lang="en-US" sz="2100" dirty="0" smtClean="0"/>
-              <a:t>Try multiple sets of values, not just one set of values</a:t>
+              <a:rPr lang="en-US" dirty="0"/>
+              <a:t>Permutations of values</a:t>
+            </a:r>
+          </a:p>
+          <a:p>
+            <a:r>
+              <a:rPr lang="en-US" dirty="0" smtClean="0"/>
+              <a:t>Check boundary conditions</a:t>
             </a:r>
           </a:p>
           <a:p>
             <a:pPr lvl="1"/>
             <a:r>
-              <a:rPr lang="en-US" sz="2100" dirty="0" smtClean="0"/>
-              <a:t>Permutations of values </a:t>
-            </a:r>
-            <a:r>
-              <a:rPr lang="en-US" sz="2100" b="1" dirty="0" smtClean="0"/>
-              <a:t>{3,4,5}, {4,3,5}, {5,4,3}</a:t>
-            </a:r>
-          </a:p>
-          <a:p>
-            <a:r>
-              <a:rPr lang="en-US" sz="2300" dirty="0"/>
-              <a:t>Check boundary conditions</a:t>
+              <a:rPr lang="en-US" dirty="0"/>
+              <a:t>Check for off-by-one conditions</a:t>
+            </a:r>
+          </a:p>
+          <a:p>
+            <a:r>
+              <a:rPr lang="en-US" dirty="0" smtClean="0"/>
+              <a:t>Check invalid input</a:t>
             </a:r>
           </a:p>
           <a:p>
             <a:pPr lvl="1"/>
             <a:r>
-              <a:rPr lang="en-US" sz="2100" dirty="0" smtClean="0"/>
-              <a:t>Check for off-by-one conditions: </a:t>
-            </a:r>
-            <a:r>
-              <a:rPr lang="en-US" sz="2100" b="1" dirty="0" smtClean="0"/>
-              <a:t>0, MAX_INT</a:t>
-            </a:r>
-          </a:p>
-          <a:p>
-            <a:r>
-              <a:rPr lang="en-US" sz="2300" dirty="0"/>
-              <a:t>Check invalid input</a:t>
+              <a:rPr lang="en-US" dirty="0"/>
+              <a:t>Illegal sets of value</a:t>
             </a:r>
           </a:p>
           <a:p>
             <a:pPr lvl="1"/>
             <a:r>
-              <a:rPr lang="en-US" sz="2100" dirty="0" smtClean="0"/>
-              <a:t>Illegal sets of value</a:t>
+              <a:rPr lang="en-US" dirty="0"/>
+              <a:t>Illegal input</a:t>
             </a:r>
           </a:p>
           <a:p>
             <a:pPr lvl="2"/>
             <a:r>
-              <a:rPr lang="en-US" sz="1900" dirty="0" smtClean="0"/>
-              <a:t>Wrong format: </a:t>
-            </a:r>
-            <a:r>
-              <a:rPr lang="en-US" sz="1900" b="1" dirty="0" smtClean="0"/>
-              <a:t>not integer</a:t>
+              <a:rPr lang="en-US" sz="2400" dirty="0"/>
+              <a:t>Impossible conditions</a:t>
+            </a:r>
+          </a:p>
+          <a:p>
+            <a:pPr lvl="1"/>
+            <a:r>
+              <a:rPr lang="en-US" dirty="0"/>
+              <a:t>Totally bad input</a:t>
             </a:r>
           </a:p>
           <a:p>
             <a:pPr lvl="2"/>
             <a:r>
-              <a:rPr lang="en-US" sz="1900" dirty="0" smtClean="0"/>
-              <a:t>Negative numbers</a:t>
-            </a:r>
-          </a:p>
-          <a:p>
-            <a:pPr lvl="1"/>
-            <a:r>
-              <a:rPr lang="en-US" sz="2100" dirty="0" smtClean="0"/>
-              <a:t>Illegal input</a:t>
-            </a:r>
-          </a:p>
-          <a:p>
-            <a:pPr lvl="2"/>
-            <a:r>
-              <a:rPr lang="en-US" sz="1900" dirty="0" smtClean="0"/>
-              <a:t>Impossible conditions:  </a:t>
-            </a:r>
-            <a:r>
-              <a:rPr lang="en-US" sz="1900" b="1" dirty="0" smtClean="0"/>
-              <a:t>{2,3,8}, {2,3,5}  </a:t>
-            </a:r>
-            <a:r>
-              <a:rPr lang="en-US" sz="1900" dirty="0" smtClean="0"/>
-              <a:t>{definition of a triangle}</a:t>
-            </a:r>
-          </a:p>
-          <a:p>
-            <a:pPr lvl="1"/>
-            <a:r>
-              <a:rPr lang="en-US" sz="2100" dirty="0" smtClean="0"/>
-              <a:t>Totally bad input</a:t>
-            </a:r>
-          </a:p>
-          <a:p>
-            <a:pPr lvl="2"/>
-            <a:r>
-              <a:rPr lang="en-US" sz="1900" dirty="0" smtClean="0"/>
+              <a:rPr lang="en-US" sz="2400" dirty="0"/>
               <a:t>Text vs. Numbers, etc.</a:t>
             </a:r>
-            <a:endParaRPr lang="en-US" sz="1900" dirty="0"/>
           </a:p>
         </p:txBody>
       </p:sp>
@@ -5920,7 +5996,7 @@
     </p:spTree>
     <p:extLst>
       <p:ext uri="{BB962C8B-B14F-4D97-AF65-F5344CB8AC3E}">
-        <p14:creationId xmlns:p14="http://schemas.microsoft.com/office/powerpoint/2010/main" val="197287750"/>
+        <p14:creationId xmlns:p14="http://schemas.microsoft.com/office/powerpoint/2010/main" val="598967853"/>
       </p:ext>
     </p:extLst>
   </p:cSld>
@@ -5980,169 +6056,145 @@
             <p:ph idx="1"/>
           </p:nvPr>
         </p:nvSpPr>
-        <p:spPr/>
+        <p:spPr>
+          <a:xfrm>
+            <a:off x="838200" y="1690688"/>
+            <a:ext cx="10515600" cy="4801552"/>
+          </a:xfrm>
+        </p:spPr>
         <p:txBody>
           <a:bodyPr>
             <a:normAutofit fontScale="92500" lnSpcReduction="10000"/>
           </a:bodyPr>
           <a:lstStyle/>
           <a:p>
-            <a:r>
-              <a:rPr lang="en-US" dirty="0" smtClean="0"/>
-              <a:t>Beware of problems with comparisons</a:t>
-            </a:r>
-          </a:p>
-          <a:p>
-            <a:pPr lvl="1"/>
-            <a:r>
-              <a:rPr lang="en-US" dirty="0" smtClean="0"/>
-              <a:t>How to compare two floating numbers</a:t>
-            </a:r>
-          </a:p>
-          <a:p>
-            <a:pPr lvl="2"/>
-            <a:r>
-              <a:rPr lang="en-US" dirty="0" smtClean="0"/>
-              <a:t>Never do the following:</a:t>
-            </a:r>
-            <a:br>
-              <a:rPr lang="en-US" dirty="0" smtClean="0"/>
-            </a:br>
-            <a:r>
-              <a:rPr lang="en-US" b="1" dirty="0" smtClean="0">
-                <a:latin typeface="Courier New"/>
-                <a:cs typeface="Courier New"/>
-              </a:rPr>
-              <a:t>float a, b;</a:t>
-            </a:r>
-            <a:br>
-              <a:rPr lang="en-US" b="1" dirty="0" smtClean="0">
-                <a:latin typeface="Courier New"/>
-                <a:cs typeface="Courier New"/>
-              </a:rPr>
-            </a:br>
-            <a:r>
-              <a:rPr lang="en-US" b="1" dirty="0" smtClean="0">
-                <a:latin typeface="Courier New"/>
-                <a:cs typeface="Courier New"/>
-              </a:rPr>
-              <a:t>. . .</a:t>
-            </a:r>
-            <a:br>
-              <a:rPr lang="en-US" b="1" dirty="0" smtClean="0">
-                <a:latin typeface="Courier New"/>
-                <a:cs typeface="Courier New"/>
-              </a:rPr>
-            </a:br>
-            <a:r>
-              <a:rPr lang="en-US" b="1" dirty="0" smtClean="0">
-                <a:latin typeface="Courier New"/>
-                <a:cs typeface="Courier New"/>
-              </a:rPr>
-              <a:t>if ( a == b)</a:t>
-            </a:r>
-          </a:p>
-          <a:p>
-            <a:pPr lvl="2"/>
-            <a:r>
-              <a:rPr lang="en-US" dirty="0" smtClean="0"/>
-              <a:t>Is it 4.0000000  or 3.9999999 or 4.0000001 ?</a:t>
-            </a:r>
-          </a:p>
-          <a:p>
-            <a:pPr lvl="2"/>
-            <a:r>
-              <a:rPr lang="en-US" dirty="0" smtClean="0"/>
-              <a:t>What is your limit of accuracy?</a:t>
-            </a:r>
-          </a:p>
-          <a:p>
-            <a:pPr lvl="1"/>
-            <a:r>
-              <a:rPr lang="en-US" dirty="0" smtClean="0"/>
-              <a:t>In object oriented languages make sure whether you are comparing the contents of an object or the reference to an object</a:t>
-            </a:r>
-          </a:p>
-          <a:p>
-            <a:pPr marL="1200150" lvl="3" indent="0">
+            <a:pPr marL="0" indent="0">
               <a:buNone/>
             </a:pPr>
             <a:r>
-              <a:rPr lang="en-US" b="1" dirty="0" smtClean="0">
-                <a:latin typeface="Courier New"/>
-                <a:cs typeface="Courier New"/>
-              </a:rPr>
-              <a:t>String a = “Hello world!\n”</a:t>
-            </a:r>
-          </a:p>
-          <a:p>
-            <a:pPr marL="1200150" lvl="3" indent="0">
-              <a:buNone/>
-            </a:pPr>
-            <a:r>
-              <a:rPr lang="en-US" b="1" dirty="0">
-                <a:latin typeface="Courier New"/>
-                <a:cs typeface="Courier New"/>
-              </a:rPr>
-              <a:t>String </a:t>
-            </a:r>
-            <a:r>
-              <a:rPr lang="en-US" b="1" dirty="0" smtClean="0">
-                <a:latin typeface="Courier New"/>
-                <a:cs typeface="Courier New"/>
-              </a:rPr>
-              <a:t>b </a:t>
-            </a:r>
-            <a:r>
-              <a:rPr lang="en-US" b="1" dirty="0">
-                <a:latin typeface="Courier New"/>
-                <a:cs typeface="Courier New"/>
-              </a:rPr>
-              <a:t>= “Hello world!\n”</a:t>
-            </a:r>
-          </a:p>
-          <a:p>
-            <a:pPr marL="1200150" lvl="3" indent="0">
-              <a:buNone/>
-            </a:pPr>
-            <a:r>
-              <a:rPr lang="en-US" b="1" dirty="0" smtClean="0">
-                <a:latin typeface="Courier New"/>
-                <a:cs typeface="Courier New"/>
-              </a:rPr>
-              <a:t>if ( a == b ) </a:t>
-            </a:r>
-          </a:p>
-          <a:p>
-            <a:pPr marL="1200150" lvl="3" indent="0">
-              <a:buNone/>
-            </a:pPr>
-            <a:r>
-              <a:rPr lang="en-US" dirty="0" smtClean="0">
-                <a:cs typeface="Courier New"/>
-              </a:rPr>
-              <a:t>vs.</a:t>
-            </a:r>
-          </a:p>
-          <a:p>
-            <a:pPr marL="1200150" lvl="3" indent="0">
-              <a:buNone/>
-            </a:pPr>
-            <a:r>
-              <a:rPr lang="en-US" b="1" dirty="0" smtClean="0">
-                <a:latin typeface="Courier New"/>
-                <a:cs typeface="Courier New"/>
-              </a:rPr>
-              <a:t>if ( a.equals(b) )</a:t>
+              <a:rPr lang="en-US" sz="2300" dirty="0"/>
+              <a:t>Let’s consider the triangle example</a:t>
+            </a:r>
+          </a:p>
+          <a:p>
+            <a:r>
+              <a:rPr lang="en-US" sz="2300" dirty="0"/>
+              <a:t>Cover all possible valid input</a:t>
             </a:r>
           </a:p>
           <a:p>
             <a:pPr lvl="1"/>
-            <a:endParaRPr lang="en-US" dirty="0" smtClean="0"/>
+            <a:r>
+              <a:rPr lang="en-US" sz="2100" dirty="0" smtClean="0"/>
+              <a:t>all three possible conditions: </a:t>
+            </a:r>
+            <a:r>
+              <a:rPr lang="en-US" sz="2100" b="1" dirty="0" smtClean="0"/>
+              <a:t>equilateral, isosceles, scalene</a:t>
+            </a:r>
+          </a:p>
+          <a:p>
+            <a:pPr lvl="1"/>
+            <a:r>
+              <a:rPr lang="en-US" sz="2100" dirty="0" smtClean="0"/>
+              <a:t>Try multiple sets of values, not just one set of values</a:t>
+            </a:r>
+          </a:p>
+          <a:p>
+            <a:pPr lvl="1"/>
+            <a:r>
+              <a:rPr lang="en-US" sz="2100" dirty="0" smtClean="0"/>
+              <a:t>Permutations of values </a:t>
+            </a:r>
+            <a:r>
+              <a:rPr lang="en-US" sz="2100" b="1" dirty="0" smtClean="0"/>
+              <a:t>{3,4,5}, {4,3,5}, {5,4,3}</a:t>
+            </a:r>
+          </a:p>
+          <a:p>
+            <a:r>
+              <a:rPr lang="en-US" sz="2300" dirty="0"/>
+              <a:t>Check boundary conditions</a:t>
+            </a:r>
+          </a:p>
+          <a:p>
+            <a:pPr lvl="1"/>
+            <a:r>
+              <a:rPr lang="en-US" sz="2100" dirty="0" smtClean="0"/>
+              <a:t>Check for off-by-one conditions: </a:t>
+            </a:r>
+            <a:r>
+              <a:rPr lang="en-US" sz="2100" b="1" dirty="0" smtClean="0"/>
+              <a:t>0, MAX_INT</a:t>
+            </a:r>
+          </a:p>
+          <a:p>
+            <a:r>
+              <a:rPr lang="en-US" sz="2300" dirty="0"/>
+              <a:t>Check invalid input</a:t>
+            </a:r>
+          </a:p>
+          <a:p>
+            <a:pPr lvl="1"/>
+            <a:r>
+              <a:rPr lang="en-US" sz="2100" dirty="0" smtClean="0"/>
+              <a:t>Illegal sets of value</a:t>
+            </a:r>
           </a:p>
           <a:p>
             <a:pPr lvl="2"/>
-            <a:endParaRPr lang="en-US" dirty="0" smtClean="0"/>
+            <a:r>
+              <a:rPr lang="en-US" sz="1900" dirty="0" smtClean="0"/>
+              <a:t>Wrong format: </a:t>
+            </a:r>
+            <a:r>
+              <a:rPr lang="en-US" sz="1900" b="1" dirty="0" smtClean="0"/>
+              <a:t>not integer</a:t>
+            </a:r>
+          </a:p>
+          <a:p>
+            <a:pPr lvl="2"/>
+            <a:r>
+              <a:rPr lang="en-US" sz="1900" dirty="0" smtClean="0"/>
+              <a:t>Negative numbers</a:t>
+            </a:r>
+          </a:p>
+          <a:p>
+            <a:pPr lvl="1"/>
+            <a:r>
+              <a:rPr lang="en-US" sz="2100" dirty="0" smtClean="0"/>
+              <a:t>Illegal input</a:t>
+            </a:r>
+          </a:p>
+          <a:p>
+            <a:pPr lvl="2"/>
+            <a:r>
+              <a:rPr lang="en-US" sz="1900" dirty="0" smtClean="0"/>
+              <a:t>Impossible conditions:  </a:t>
+            </a:r>
+            <a:r>
+              <a:rPr lang="en-US" sz="1900" b="1" dirty="0" smtClean="0"/>
+              <a:t>{2,3,8}, {2,3,5}  </a:t>
+            </a:r>
+            <a:r>
+              <a:rPr lang="en-US" sz="1900" dirty="0" smtClean="0"/>
+              <a:t>{definition of a triangle}</a:t>
+            </a:r>
+          </a:p>
+          <a:p>
+            <a:pPr lvl="1"/>
+            <a:r>
+              <a:rPr lang="en-US" sz="2100" dirty="0" smtClean="0"/>
+              <a:t>Totally bad input</a:t>
+            </a:r>
+          </a:p>
+          <a:p>
+            <a:pPr lvl="2"/>
+            <a:r>
+              <a:rPr lang="en-US" sz="1900" dirty="0" smtClean="0"/>
+              <a:t>Text vs. Numbers, etc.</a:t>
+            </a:r>
+            <a:endParaRPr lang="en-US" sz="1900" dirty="0"/>
           </a:p>
         </p:txBody>
       </p:sp>
@@ -6172,7 +6224,7 @@
     </p:spTree>
     <p:extLst>
       <p:ext uri="{BB962C8B-B14F-4D97-AF65-F5344CB8AC3E}">
-        <p14:creationId xmlns:p14="http://schemas.microsoft.com/office/powerpoint/2010/main" val="499609848"/>
+        <p14:creationId xmlns:p14="http://schemas.microsoft.com/office/powerpoint/2010/main" val="197287750"/>
       </p:ext>
     </p:extLst>
   </p:cSld>
@@ -6235,125 +6287,166 @@
         <p:spPr/>
         <p:txBody>
           <a:bodyPr>
-            <a:normAutofit fontScale="92500" lnSpcReduction="20000"/>
+            <a:normAutofit fontScale="92500" lnSpcReduction="10000"/>
           </a:bodyPr>
           <a:lstStyle/>
           <a:p>
-            <a:pPr marL="0" indent="0">
+            <a:r>
+              <a:rPr lang="en-US" dirty="0" smtClean="0"/>
+              <a:t>Beware of problems with comparisons</a:t>
+            </a:r>
+          </a:p>
+          <a:p>
+            <a:pPr lvl="1"/>
+            <a:r>
+              <a:rPr lang="en-US" dirty="0" smtClean="0"/>
+              <a:t>How to compare two floating numbers</a:t>
+            </a:r>
+          </a:p>
+          <a:p>
+            <a:pPr lvl="2"/>
+            <a:r>
+              <a:rPr lang="en-US" dirty="0" smtClean="0"/>
+              <a:t>Never do the following:</a:t>
+            </a:r>
+            <a:br>
+              <a:rPr lang="en-US" dirty="0" smtClean="0"/>
+            </a:br>
+            <a:r>
+              <a:rPr lang="en-US" b="1" dirty="0" smtClean="0">
+                <a:latin typeface="Courier New"/>
+                <a:cs typeface="Courier New"/>
+              </a:rPr>
+              <a:t>float a, b;</a:t>
+            </a:r>
+            <a:br>
+              <a:rPr lang="en-US" b="1" dirty="0" smtClean="0">
+                <a:latin typeface="Courier New"/>
+                <a:cs typeface="Courier New"/>
+              </a:rPr>
+            </a:br>
+            <a:r>
+              <a:rPr lang="en-US" b="1" dirty="0" smtClean="0">
+                <a:latin typeface="Courier New"/>
+                <a:cs typeface="Courier New"/>
+              </a:rPr>
+              <a:t>. . .</a:t>
+            </a:r>
+            <a:br>
+              <a:rPr lang="en-US" b="1" dirty="0" smtClean="0">
+                <a:latin typeface="Courier New"/>
+                <a:cs typeface="Courier New"/>
+              </a:rPr>
+            </a:br>
+            <a:r>
+              <a:rPr lang="en-US" b="1" dirty="0" smtClean="0">
+                <a:latin typeface="Courier New"/>
+                <a:cs typeface="Courier New"/>
+              </a:rPr>
+              <a:t>if ( a == b)</a:t>
+            </a:r>
+          </a:p>
+          <a:p>
+            <a:pPr lvl="2"/>
+            <a:r>
+              <a:rPr lang="en-US" dirty="0" smtClean="0"/>
+              <a:t>Is it 4.0000000  or 3.9999999 or 4.0000001 ?</a:t>
+            </a:r>
+          </a:p>
+          <a:p>
+            <a:pPr lvl="2"/>
+            <a:r>
+              <a:rPr lang="en-US" dirty="0" smtClean="0"/>
+              <a:t>What is your limit of accuracy?</a:t>
+            </a:r>
+          </a:p>
+          <a:p>
+            <a:pPr lvl="1"/>
+            <a:r>
+              <a:rPr lang="en-US" dirty="0" smtClean="0"/>
+              <a:t>In object oriented languages make sure whether you are comparing the contents of an object or the reference to an object</a:t>
+            </a:r>
+          </a:p>
+          <a:p>
+            <a:pPr marL="1200150" lvl="3" indent="0">
               <a:buNone/>
             </a:pPr>
             <a:r>
-              <a:rPr lang="en-US" sz="2000" dirty="0"/>
-              <a:t>Let’s consider the triangle example</a:t>
-            </a:r>
-          </a:p>
-          <a:p>
-            <a:r>
-              <a:rPr lang="en-US" sz="2000" dirty="0"/>
-              <a:t>How to test the code?</a:t>
-            </a:r>
-          </a:p>
-          <a:p>
-            <a:r>
-              <a:rPr lang="en-US" sz="2000" dirty="0"/>
-              <a:t>Have the code read from the </a:t>
-            </a:r>
-            <a:r>
-              <a:rPr lang="en-US" sz="2000" b="1" dirty="0"/>
-              <a:t>standard input</a:t>
+              <a:rPr lang="en-US" b="1" dirty="0" smtClean="0">
+                <a:latin typeface="Courier New"/>
+                <a:cs typeface="Courier New"/>
+              </a:rPr>
+              <a:t>String a = “Hello world!\n”</a:t>
+            </a:r>
+          </a:p>
+          <a:p>
+            <a:pPr marL="1200150" lvl="3" indent="0">
+              <a:buNone/>
+            </a:pPr>
+            <a:r>
+              <a:rPr lang="en-US" b="1" dirty="0">
+                <a:latin typeface="Courier New"/>
+                <a:cs typeface="Courier New"/>
+              </a:rPr>
+              <a:t>String </a:t>
+            </a:r>
+            <a:r>
+              <a:rPr lang="en-US" b="1" dirty="0" smtClean="0">
+                <a:latin typeface="Courier New"/>
+                <a:cs typeface="Courier New"/>
+              </a:rPr>
+              <a:t>b </a:t>
+            </a:r>
+            <a:r>
+              <a:rPr lang="en-US" b="1" dirty="0">
+                <a:latin typeface="Courier New"/>
+                <a:cs typeface="Courier New"/>
+              </a:rPr>
+              <a:t>= “Hello world!\n”</a:t>
+            </a:r>
+          </a:p>
+          <a:p>
+            <a:pPr marL="1200150" lvl="3" indent="0">
+              <a:buNone/>
+            </a:pPr>
+            <a:r>
+              <a:rPr lang="en-US" b="1" dirty="0" smtClean="0">
+                <a:latin typeface="Courier New"/>
+                <a:cs typeface="Courier New"/>
+              </a:rPr>
+              <a:t>if ( a == b ) </a:t>
+            </a:r>
+          </a:p>
+          <a:p>
+            <a:pPr marL="1200150" lvl="3" indent="0">
+              <a:buNone/>
+            </a:pPr>
+            <a:r>
+              <a:rPr lang="en-US" dirty="0" smtClean="0">
+                <a:cs typeface="Courier New"/>
+              </a:rPr>
+              <a:t>vs.</a:t>
+            </a:r>
+          </a:p>
+          <a:p>
+            <a:pPr marL="1200150" lvl="3" indent="0">
+              <a:buNone/>
+            </a:pPr>
+            <a:r>
+              <a:rPr lang="en-US" b="1" dirty="0" smtClean="0">
+                <a:latin typeface="Courier New"/>
+                <a:cs typeface="Courier New"/>
+              </a:rPr>
+              <a:t>if ( a.equals(b) )</a:t>
             </a:r>
           </a:p>
           <a:p>
             <a:pPr lvl="1"/>
-            <a:r>
-              <a:rPr lang="en-US" sz="2100" b="1" dirty="0">
-                <a:latin typeface="Courier New"/>
-              </a:rPr>
-              <a:t>j</a:t>
-            </a:r>
-            <a:r>
-              <a:rPr lang="en-US" sz="2100" b="1" dirty="0" smtClean="0">
-                <a:latin typeface="Courier New"/>
-              </a:rPr>
-              <a:t>ava Triangle &lt; testcases.txt</a:t>
-            </a:r>
-            <a:br>
-              <a:rPr lang="en-US" sz="2100" b="1" dirty="0" smtClean="0">
-                <a:latin typeface="Courier New"/>
-              </a:rPr>
-            </a:br>
-            <a:r>
-              <a:rPr lang="en-US" sz="2100" dirty="0" smtClean="0"/>
-              <a:t>or,</a:t>
-            </a:r>
-          </a:p>
-          <a:p>
-            <a:pPr lvl="1"/>
-            <a:r>
-              <a:rPr lang="en-US" sz="2100" b="1" dirty="0" smtClean="0">
-                <a:latin typeface="Courier New"/>
-              </a:rPr>
-              <a:t>java Triangle</a:t>
-            </a:r>
-            <a:br>
-              <a:rPr lang="en-US" sz="2100" b="1" dirty="0" smtClean="0">
-                <a:latin typeface="Courier New"/>
-              </a:rPr>
-            </a:br>
-            <a:r>
-              <a:rPr lang="en-US" sz="2100" b="1" dirty="0" smtClean="0">
-                <a:latin typeface="Courier New"/>
-              </a:rPr>
-              <a:t>2 3 3</a:t>
-            </a:r>
-            <a:br>
-              <a:rPr lang="en-US" sz="2100" b="1" dirty="0" smtClean="0">
-                <a:latin typeface="Courier New"/>
-              </a:rPr>
-            </a:br>
-            <a:r>
-              <a:rPr lang="en-US" sz="2100" b="1" dirty="0" smtClean="0">
-                <a:latin typeface="Courier New"/>
-              </a:rPr>
-              <a:t>3 4 5</a:t>
-            </a:r>
-          </a:p>
-          <a:p>
-            <a:r>
-              <a:rPr lang="en-US" sz="2000" dirty="0"/>
-              <a:t>Have the output print to standard output.</a:t>
-            </a:r>
-          </a:p>
-          <a:p>
-            <a:pPr lvl="1"/>
-            <a:r>
-              <a:rPr lang="en-US" sz="2100" b="1" dirty="0" smtClean="0">
-                <a:latin typeface="Courier New"/>
-              </a:rPr>
-              <a:t>java Triangle &gt; results.txt</a:t>
-            </a:r>
-          </a:p>
-          <a:p>
-            <a:r>
-              <a:rPr lang="en-US" sz="2000" dirty="0"/>
-              <a:t>Combine the two and we have:</a:t>
-            </a:r>
-          </a:p>
-          <a:p>
-            <a:pPr lvl="1"/>
-            <a:r>
-              <a:rPr lang="en-US" sz="2100" b="1" dirty="0" smtClean="0">
-                <a:latin typeface="Courier New"/>
-              </a:rPr>
-              <a:t>java Triangle &lt;testcases.txt &gt;results.txt</a:t>
-            </a:r>
-          </a:p>
-          <a:p>
-            <a:r>
-              <a:rPr lang="en-US" dirty="0" smtClean="0"/>
-              <a:t>This assumes we have the code read three numbers on the line, or have the code read three numbers whether they are on one line or more.</a:t>
-            </a:r>
-            <a:endParaRPr lang="en-US" dirty="0"/>
+            <a:endParaRPr lang="en-US" dirty="0" smtClean="0"/>
+          </a:p>
+          <a:p>
+            <a:pPr lvl="2"/>
+            <a:endParaRPr lang="en-US" dirty="0" smtClean="0"/>
           </a:p>
         </p:txBody>
       </p:sp>
@@ -6383,7 +6476,7 @@
     </p:spTree>
     <p:extLst>
       <p:ext uri="{BB962C8B-B14F-4D97-AF65-F5344CB8AC3E}">
-        <p14:creationId xmlns:p14="http://schemas.microsoft.com/office/powerpoint/2010/main" val="752465098"/>
+        <p14:creationId xmlns:p14="http://schemas.microsoft.com/office/powerpoint/2010/main" val="499609848"/>
       </p:ext>
     </p:extLst>
   </p:cSld>
@@ -6412,6 +6505,222 @@
       </p:grpSpPr>
       <p:sp>
         <p:nvSpPr>
+          <p:cNvPr id="2" name="Title 1"/>
+          <p:cNvSpPr>
+            <a:spLocks noGrp="1"/>
+          </p:cNvSpPr>
+          <p:nvPr>
+            <p:ph type="title"/>
+          </p:nvPr>
+        </p:nvSpPr>
+        <p:spPr/>
+        <p:txBody>
+          <a:bodyPr/>
+          <a:lstStyle/>
+          <a:p>
+            <a:r>
+              <a:rPr lang="en-US" dirty="0" smtClean="0"/>
+              <a:t>Writing test cases</a:t>
+            </a:r>
+            <a:endParaRPr lang="en-US" dirty="0"/>
+          </a:p>
+        </p:txBody>
+      </p:sp>
+      <p:sp>
+        <p:nvSpPr>
+          <p:cNvPr id="3" name="Content Placeholder 2"/>
+          <p:cNvSpPr>
+            <a:spLocks noGrp="1"/>
+          </p:cNvSpPr>
+          <p:nvPr>
+            <p:ph idx="1"/>
+          </p:nvPr>
+        </p:nvSpPr>
+        <p:spPr>
+          <a:xfrm>
+            <a:off x="838200" y="1690688"/>
+            <a:ext cx="10515600" cy="4600384"/>
+          </a:xfrm>
+        </p:spPr>
+        <p:txBody>
+          <a:bodyPr>
+            <a:normAutofit fontScale="92500" lnSpcReduction="10000"/>
+          </a:bodyPr>
+          <a:lstStyle/>
+          <a:p>
+            <a:pPr marL="0" indent="0">
+              <a:buNone/>
+            </a:pPr>
+            <a:r>
+              <a:rPr lang="en-US" sz="2400" dirty="0"/>
+              <a:t>Let’s consider the triangle example</a:t>
+            </a:r>
+          </a:p>
+          <a:p>
+            <a:r>
+              <a:rPr lang="en-US" sz="2300" dirty="0"/>
+              <a:t>How to test the code?</a:t>
+            </a:r>
+          </a:p>
+          <a:p>
+            <a:r>
+              <a:rPr lang="en-US" sz="2300" dirty="0"/>
+              <a:t>Have the code read from the </a:t>
+            </a:r>
+            <a:r>
+              <a:rPr lang="en-US" sz="2300" b="1" dirty="0"/>
+              <a:t>standard input</a:t>
+            </a:r>
+          </a:p>
+          <a:p>
+            <a:pPr lvl="1"/>
+            <a:r>
+              <a:rPr lang="en-US" sz="2100" b="1" dirty="0">
+                <a:latin typeface="Courier New"/>
+              </a:rPr>
+              <a:t>j</a:t>
+            </a:r>
+            <a:r>
+              <a:rPr lang="en-US" sz="2100" b="1" dirty="0" smtClean="0">
+                <a:latin typeface="Courier New"/>
+              </a:rPr>
+              <a:t>ava Triangle &lt; testcases.txt</a:t>
+            </a:r>
+            <a:br>
+              <a:rPr lang="en-US" sz="2100" b="1" dirty="0" smtClean="0">
+                <a:latin typeface="Courier New"/>
+              </a:rPr>
+            </a:br>
+            <a:r>
+              <a:rPr lang="en-US" sz="2100" dirty="0" smtClean="0"/>
+              <a:t>or,</a:t>
+            </a:r>
+          </a:p>
+          <a:p>
+            <a:pPr lvl="1"/>
+            <a:r>
+              <a:rPr lang="en-US" sz="2100" b="1" dirty="0" smtClean="0">
+                <a:latin typeface="Courier New"/>
+              </a:rPr>
+              <a:t>java Triangle</a:t>
+            </a:r>
+            <a:br>
+              <a:rPr lang="en-US" sz="2100" b="1" dirty="0" smtClean="0">
+                <a:latin typeface="Courier New"/>
+              </a:rPr>
+            </a:br>
+            <a:r>
+              <a:rPr lang="en-US" sz="2100" b="1" dirty="0" smtClean="0">
+                <a:latin typeface="Courier New"/>
+              </a:rPr>
+              <a:t>2 3 3</a:t>
+            </a:r>
+            <a:br>
+              <a:rPr lang="en-US" sz="2100" b="1" dirty="0" smtClean="0">
+                <a:latin typeface="Courier New"/>
+              </a:rPr>
+            </a:br>
+            <a:r>
+              <a:rPr lang="en-US" sz="2100" b="1" dirty="0" smtClean="0">
+                <a:latin typeface="Courier New"/>
+              </a:rPr>
+              <a:t>3 4 5</a:t>
+            </a:r>
+          </a:p>
+          <a:p>
+            <a:r>
+              <a:rPr lang="en-US" sz="2300" dirty="0"/>
+              <a:t>Have the output print to standard output.</a:t>
+            </a:r>
+          </a:p>
+          <a:p>
+            <a:pPr lvl="1"/>
+            <a:r>
+              <a:rPr lang="en-US" sz="2100" b="1" dirty="0" smtClean="0">
+                <a:latin typeface="Courier New"/>
+              </a:rPr>
+              <a:t>java Triangle &gt; results.txt</a:t>
+            </a:r>
+          </a:p>
+          <a:p>
+            <a:r>
+              <a:rPr lang="en-US" sz="2300" dirty="0"/>
+              <a:t>Combine the two and we have:</a:t>
+            </a:r>
+          </a:p>
+          <a:p>
+            <a:pPr lvl="1"/>
+            <a:r>
+              <a:rPr lang="en-US" sz="2100" b="1" dirty="0" smtClean="0">
+                <a:latin typeface="Courier New"/>
+              </a:rPr>
+              <a:t>java Triangle &lt;testcases.txt &gt;results.txt</a:t>
+            </a:r>
+          </a:p>
+          <a:p>
+            <a:r>
+              <a:rPr lang="en-US" sz="2400" dirty="0" smtClean="0"/>
+              <a:t>This assumes we have the code read three numbers on the line, or have the code read three numbers whether they are on one line or more.</a:t>
+            </a:r>
+            <a:endParaRPr lang="en-US" sz="2400" dirty="0"/>
+          </a:p>
+        </p:txBody>
+      </p:sp>
+      <p:sp>
+        <p:nvSpPr>
+          <p:cNvPr id="4" name="Slide Number Placeholder 3"/>
+          <p:cNvSpPr>
+            <a:spLocks noGrp="1"/>
+          </p:cNvSpPr>
+          <p:nvPr>
+            <p:ph type="sldNum" sz="quarter" idx="12"/>
+          </p:nvPr>
+        </p:nvSpPr>
+        <p:spPr/>
+        <p:txBody>
+          <a:bodyPr/>
+          <a:lstStyle/>
+          <a:p>
+            <a:fld id="{B543A0FD-1CA6-4228-86A2-78061B4844C8}" type="slidenum">
+              <a:rPr lang="en-US" smtClean="0"/>
+              <a:t>16</a:t>
+            </a:fld>
+            <a:endParaRPr lang="en-US"/>
+          </a:p>
+        </p:txBody>
+      </p:sp>
+    </p:spTree>
+    <p:extLst>
+      <p:ext uri="{BB962C8B-B14F-4D97-AF65-F5344CB8AC3E}">
+        <p14:creationId xmlns:p14="http://schemas.microsoft.com/office/powerpoint/2010/main" val="752465098"/>
+      </p:ext>
+    </p:extLst>
+  </p:cSld>
+  <p:clrMapOvr>
+    <a:masterClrMapping/>
+  </p:clrMapOvr>
+</p:sld>
+</file>
+
+<file path=ppt/slides/slide17.xml><?xml version="1.0" encoding="utf-8"?>
+<p:sld xmlns:a="http://schemas.openxmlformats.org/drawingml/2006/main" xmlns:r="http://schemas.openxmlformats.org/officeDocument/2006/relationships" xmlns:p="http://schemas.openxmlformats.org/presentationml/2006/main">
+  <p:cSld>
+    <p:spTree>
+      <p:nvGrpSpPr>
+        <p:cNvPr id="1" name=""/>
+        <p:cNvGrpSpPr/>
+        <p:nvPr/>
+      </p:nvGrpSpPr>
+      <p:grpSpPr>
+        <a:xfrm>
+          <a:off x="0" y="0"/>
+          <a:ext cx="0" cy="0"/>
+          <a:chOff x="0" y="0"/>
+          <a:chExt cx="0" cy="0"/>
+        </a:xfrm>
+      </p:grpSpPr>
+      <p:sp>
+        <p:nvSpPr>
           <p:cNvPr id="486402" name="Rectangle 2"/>
           <p:cNvSpPr>
             <a:spLocks noGrp="1" noChangeArrowheads="1"/>
@@ -6535,7 +6844,7 @@
           <a:p>
             <a:fld id="{B543A0FD-1CA6-4228-86A2-78061B4844C8}" type="slidenum">
               <a:rPr lang="en-US" smtClean="0"/>
-              <a:t>16</a:t>
+              <a:t>17</a:t>
             </a:fld>
             <a:endParaRPr lang="en-US"/>
           </a:p>
@@ -6561,7 +6870,7 @@
 </p:sld>
 </file>
 
-<file path=ppt/slides/slide17.xml><?xml version="1.0" encoding="utf-8"?>
+<file path=ppt/slides/slide18.xml><?xml version="1.0" encoding="utf-8"?>
 <p:sld xmlns:a="http://schemas.openxmlformats.org/drawingml/2006/main" xmlns:r="http://schemas.openxmlformats.org/officeDocument/2006/relationships" xmlns:p="http://schemas.openxmlformats.org/presentationml/2006/main">
   <p:cSld>
     <p:spTree>
@@ -6618,7 +6927,7 @@
           <a:p>
             <a:fld id="{B543A0FD-1CA6-4228-86A2-78061B4844C8}" type="slidenum">
               <a:rPr lang="en-US" smtClean="0"/>
-              <a:t>17</a:t>
+              <a:t>18</a:t>
             </a:fld>
             <a:endParaRPr lang="en-US"/>
           </a:p>
@@ -6712,7 +7021,7 @@
 </p:sld>
 </file>
 
-<file path=ppt/slides/slide18.xml><?xml version="1.0" encoding="utf-8"?>
+<file path=ppt/slides/slide19.xml><?xml version="1.0" encoding="utf-8"?>
 <p:sld xmlns:a="http://schemas.openxmlformats.org/drawingml/2006/main" xmlns:r="http://schemas.openxmlformats.org/officeDocument/2006/relationships" xmlns:p="http://schemas.openxmlformats.org/presentationml/2006/main">
   <p:cSld>
     <p:spTree>
@@ -6769,7 +7078,7 @@
           <a:p>
             <a:fld id="{B543A0FD-1CA6-4228-86A2-78061B4844C8}" type="slidenum">
               <a:rPr lang="en-US" smtClean="0"/>
-              <a:t>18</a:t>
+              <a:t>19</a:t>
             </a:fld>
             <a:endParaRPr lang="en-US"/>
           </a:p>
@@ -6863,160 +7172,6 @@
 </p:sld>
 </file>
 
-<file path=ppt/slides/slide19.xml><?xml version="1.0" encoding="utf-8"?>
-<p:sld xmlns:a="http://schemas.openxmlformats.org/drawingml/2006/main" xmlns:r="http://schemas.openxmlformats.org/officeDocument/2006/relationships" xmlns:p="http://schemas.openxmlformats.org/presentationml/2006/main">
-  <p:cSld>
-    <p:spTree>
-      <p:nvGrpSpPr>
-        <p:cNvPr id="1" name=""/>
-        <p:cNvGrpSpPr/>
-        <p:nvPr/>
-      </p:nvGrpSpPr>
-      <p:grpSpPr>
-        <a:xfrm>
-          <a:off x="0" y="0"/>
-          <a:ext cx="0" cy="0"/>
-          <a:chOff x="0" y="0"/>
-          <a:chExt cx="0" cy="0"/>
-        </a:xfrm>
-      </p:grpSpPr>
-      <p:sp>
-        <p:nvSpPr>
-          <p:cNvPr id="2" name="Title 1"/>
-          <p:cNvSpPr>
-            <a:spLocks noGrp="1"/>
-          </p:cNvSpPr>
-          <p:nvPr>
-            <p:ph type="title"/>
-          </p:nvPr>
-        </p:nvSpPr>
-        <p:spPr/>
-        <p:txBody>
-          <a:bodyPr/>
-          <a:lstStyle/>
-          <a:p>
-            <a:r>
-              <a:rPr lang="en-US" dirty="0" smtClean="0"/>
-              <a:t>Test cases</a:t>
-            </a:r>
-            <a:endParaRPr lang="en-US" dirty="0"/>
-          </a:p>
-        </p:txBody>
-      </p:sp>
-      <p:sp>
-        <p:nvSpPr>
-          <p:cNvPr id="3" name="Content Placeholder 2"/>
-          <p:cNvSpPr>
-            <a:spLocks noGrp="1"/>
-          </p:cNvSpPr>
-          <p:nvPr>
-            <p:ph idx="1"/>
-          </p:nvPr>
-        </p:nvSpPr>
-        <p:spPr/>
-        <p:txBody>
-          <a:bodyPr/>
-          <a:lstStyle/>
-          <a:p>
-            <a:r>
-              <a:rPr lang="en-US" b="1" dirty="0"/>
-              <a:t>Why we write test </a:t>
-            </a:r>
-            <a:r>
-              <a:rPr lang="en-US" b="1" dirty="0" smtClean="0"/>
-              <a:t>cases?</a:t>
-            </a:r>
-          </a:p>
-          <a:p>
-            <a:pPr lvl="1"/>
-            <a:r>
-              <a:rPr lang="en-US" dirty="0" smtClean="0"/>
-              <a:t>The </a:t>
-            </a:r>
-            <a:r>
-              <a:rPr lang="en-US" dirty="0"/>
-              <a:t>basic objective of writing test cases is </a:t>
-            </a:r>
-            <a:r>
-              <a:rPr lang="en-US" b="1" dirty="0"/>
-              <a:t>to validate the testing coverage of the application</a:t>
-            </a:r>
-            <a:r>
-              <a:rPr lang="en-US" b="1" dirty="0" smtClean="0"/>
-              <a:t>.</a:t>
-            </a:r>
-            <a:endParaRPr lang="en-US" dirty="0" smtClean="0"/>
-          </a:p>
-          <a:p>
-            <a:r>
-              <a:rPr lang="en-US" dirty="0" smtClean="0"/>
-              <a:t>Keep in mind while writing test cases that all your </a:t>
-            </a:r>
-            <a:r>
-              <a:rPr lang="en-US" b="1" dirty="0" smtClean="0"/>
-              <a:t>test cases should be simple and easy to understand</a:t>
-            </a:r>
-            <a:r>
-              <a:rPr lang="en-US" dirty="0" smtClean="0"/>
-              <a:t>. </a:t>
-            </a:r>
-          </a:p>
-          <a:p>
-            <a:r>
-              <a:rPr lang="en-US" dirty="0" smtClean="0"/>
-              <a:t>For </a:t>
-            </a:r>
-            <a:r>
-              <a:rPr lang="en-US" dirty="0"/>
-              <a:t>any application basically you will cover all the </a:t>
-            </a:r>
-            <a:r>
-              <a:rPr lang="en-US" b="1" dirty="0"/>
-              <a:t>types of test cases including functional, negative and boundary value test cases</a:t>
-            </a:r>
-            <a:r>
-              <a:rPr lang="en-US" b="1" dirty="0" smtClean="0"/>
-              <a:t>.</a:t>
-            </a:r>
-          </a:p>
-        </p:txBody>
-      </p:sp>
-      <p:sp>
-        <p:nvSpPr>
-          <p:cNvPr id="4" name="Slide Number Placeholder 3"/>
-          <p:cNvSpPr>
-            <a:spLocks noGrp="1"/>
-          </p:cNvSpPr>
-          <p:nvPr>
-            <p:ph type="sldNum" sz="quarter" idx="12"/>
-          </p:nvPr>
-        </p:nvSpPr>
-        <p:spPr/>
-        <p:txBody>
-          <a:bodyPr/>
-          <a:lstStyle/>
-          <a:p>
-            <a:fld id="{B543A0FD-1CA6-4228-86A2-78061B4844C8}" type="slidenum">
-              <a:rPr lang="en-US" smtClean="0"/>
-              <a:t>19</a:t>
-            </a:fld>
-            <a:endParaRPr lang="en-US"/>
-          </a:p>
-        </p:txBody>
-      </p:sp>
-    </p:spTree>
-    <p:extLst>
-      <p:ext uri="{BB962C8B-B14F-4D97-AF65-F5344CB8AC3E}">
-        <p14:creationId xmlns:p14="http://schemas.microsoft.com/office/powerpoint/2010/main" val="1131616691"/>
-      </p:ext>
-    </p:extLst>
-  </p:cSld>
-  <p:clrMapOvr>
-    <a:masterClrMapping/>
-  </p:clrMapOvr>
-</p:sld>
-</file>
-
 <file path=ppt/slides/slide2.xml><?xml version="1.0" encoding="utf-8"?>
 <p:sld xmlns:a="http://schemas.openxmlformats.org/drawingml/2006/main" xmlns:r="http://schemas.openxmlformats.org/officeDocument/2006/relationships" xmlns:p="http://schemas.openxmlformats.org/presentationml/2006/main">
   <p:cSld>
@@ -7160,6 +7315,160 @@
       </p:grpSpPr>
       <p:sp>
         <p:nvSpPr>
+          <p:cNvPr id="2" name="Title 1"/>
+          <p:cNvSpPr>
+            <a:spLocks noGrp="1"/>
+          </p:cNvSpPr>
+          <p:nvPr>
+            <p:ph type="title"/>
+          </p:nvPr>
+        </p:nvSpPr>
+        <p:spPr/>
+        <p:txBody>
+          <a:bodyPr/>
+          <a:lstStyle/>
+          <a:p>
+            <a:r>
+              <a:rPr lang="en-US" dirty="0" smtClean="0"/>
+              <a:t>Test cases</a:t>
+            </a:r>
+            <a:endParaRPr lang="en-US" dirty="0"/>
+          </a:p>
+        </p:txBody>
+      </p:sp>
+      <p:sp>
+        <p:nvSpPr>
+          <p:cNvPr id="3" name="Content Placeholder 2"/>
+          <p:cNvSpPr>
+            <a:spLocks noGrp="1"/>
+          </p:cNvSpPr>
+          <p:nvPr>
+            <p:ph idx="1"/>
+          </p:nvPr>
+        </p:nvSpPr>
+        <p:spPr/>
+        <p:txBody>
+          <a:bodyPr/>
+          <a:lstStyle/>
+          <a:p>
+            <a:r>
+              <a:rPr lang="en-US" b="1" dirty="0"/>
+              <a:t>Why we write test </a:t>
+            </a:r>
+            <a:r>
+              <a:rPr lang="en-US" b="1" dirty="0" smtClean="0"/>
+              <a:t>cases?</a:t>
+            </a:r>
+          </a:p>
+          <a:p>
+            <a:pPr lvl="1"/>
+            <a:r>
+              <a:rPr lang="en-US" dirty="0" smtClean="0"/>
+              <a:t>The </a:t>
+            </a:r>
+            <a:r>
+              <a:rPr lang="en-US" dirty="0"/>
+              <a:t>basic objective of writing test cases is </a:t>
+            </a:r>
+            <a:r>
+              <a:rPr lang="en-US" b="1" dirty="0"/>
+              <a:t>to validate the testing coverage of the application</a:t>
+            </a:r>
+            <a:r>
+              <a:rPr lang="en-US" b="1" dirty="0" smtClean="0"/>
+              <a:t>.</a:t>
+            </a:r>
+            <a:endParaRPr lang="en-US" dirty="0" smtClean="0"/>
+          </a:p>
+          <a:p>
+            <a:r>
+              <a:rPr lang="en-US" dirty="0" smtClean="0"/>
+              <a:t>Keep in mind while writing test cases that all your </a:t>
+            </a:r>
+            <a:r>
+              <a:rPr lang="en-US" b="1" dirty="0" smtClean="0"/>
+              <a:t>test cases should be simple and easy to understand</a:t>
+            </a:r>
+            <a:r>
+              <a:rPr lang="en-US" dirty="0" smtClean="0"/>
+              <a:t>. </a:t>
+            </a:r>
+          </a:p>
+          <a:p>
+            <a:r>
+              <a:rPr lang="en-US" dirty="0" smtClean="0"/>
+              <a:t>For </a:t>
+            </a:r>
+            <a:r>
+              <a:rPr lang="en-US" dirty="0"/>
+              <a:t>any application basically you will cover all the </a:t>
+            </a:r>
+            <a:r>
+              <a:rPr lang="en-US" b="1" dirty="0"/>
+              <a:t>types of test cases including functional, negative and boundary value test cases</a:t>
+            </a:r>
+            <a:r>
+              <a:rPr lang="en-US" b="1" dirty="0" smtClean="0"/>
+              <a:t>.</a:t>
+            </a:r>
+          </a:p>
+        </p:txBody>
+      </p:sp>
+      <p:sp>
+        <p:nvSpPr>
+          <p:cNvPr id="4" name="Slide Number Placeholder 3"/>
+          <p:cNvSpPr>
+            <a:spLocks noGrp="1"/>
+          </p:cNvSpPr>
+          <p:nvPr>
+            <p:ph type="sldNum" sz="quarter" idx="12"/>
+          </p:nvPr>
+        </p:nvSpPr>
+        <p:spPr/>
+        <p:txBody>
+          <a:bodyPr/>
+          <a:lstStyle/>
+          <a:p>
+            <a:fld id="{B543A0FD-1CA6-4228-86A2-78061B4844C8}" type="slidenum">
+              <a:rPr lang="en-US" smtClean="0"/>
+              <a:t>20</a:t>
+            </a:fld>
+            <a:endParaRPr lang="en-US"/>
+          </a:p>
+        </p:txBody>
+      </p:sp>
+    </p:spTree>
+    <p:extLst>
+      <p:ext uri="{BB962C8B-B14F-4D97-AF65-F5344CB8AC3E}">
+        <p14:creationId xmlns:p14="http://schemas.microsoft.com/office/powerpoint/2010/main" val="1131616691"/>
+      </p:ext>
+    </p:extLst>
+  </p:cSld>
+  <p:clrMapOvr>
+    <a:masterClrMapping/>
+  </p:clrMapOvr>
+</p:sld>
+</file>
+
+<file path=ppt/slides/slide21.xml><?xml version="1.0" encoding="utf-8"?>
+<p:sld xmlns:a="http://schemas.openxmlformats.org/drawingml/2006/main" xmlns:r="http://schemas.openxmlformats.org/officeDocument/2006/relationships" xmlns:p="http://schemas.openxmlformats.org/presentationml/2006/main">
+  <p:cSld>
+    <p:spTree>
+      <p:nvGrpSpPr>
+        <p:cNvPr id="1" name=""/>
+        <p:cNvGrpSpPr/>
+        <p:nvPr/>
+      </p:nvGrpSpPr>
+      <p:grpSpPr>
+        <a:xfrm>
+          <a:off x="0" y="0"/>
+          <a:ext cx="0" cy="0"/>
+          <a:chOff x="0" y="0"/>
+          <a:chExt cx="0" cy="0"/>
+        </a:xfrm>
+      </p:grpSpPr>
+      <p:sp>
+        <p:nvSpPr>
           <p:cNvPr id="525314" name="Rectangle 2"/>
           <p:cNvSpPr>
             <a:spLocks noGrp="1" noChangeArrowheads="1"/>
@@ -7281,7 +7590,7 @@
           <a:p>
             <a:fld id="{B543A0FD-1CA6-4228-86A2-78061B4844C8}" type="slidenum">
               <a:rPr lang="en-US" smtClean="0"/>
-              <a:t>20</a:t>
+              <a:t>21</a:t>
             </a:fld>
             <a:endParaRPr lang="en-US"/>
           </a:p>
@@ -7307,154 +7616,6 @@
 </p:sld>
 </file>
 
-<file path=ppt/slides/slide21.xml><?xml version="1.0" encoding="utf-8"?>
-<p:sld xmlns:a="http://schemas.openxmlformats.org/drawingml/2006/main" xmlns:r="http://schemas.openxmlformats.org/officeDocument/2006/relationships" xmlns:p="http://schemas.openxmlformats.org/presentationml/2006/main">
-  <p:cSld>
-    <p:spTree>
-      <p:nvGrpSpPr>
-        <p:cNvPr id="1" name=""/>
-        <p:cNvGrpSpPr/>
-        <p:nvPr/>
-      </p:nvGrpSpPr>
-      <p:grpSpPr>
-        <a:xfrm>
-          <a:off x="0" y="0"/>
-          <a:ext cx="0" cy="0"/>
-          <a:chOff x="0" y="0"/>
-          <a:chExt cx="0" cy="0"/>
-        </a:xfrm>
-      </p:grpSpPr>
-      <p:sp>
-        <p:nvSpPr>
-          <p:cNvPr id="200706" name="Rectangle 2"/>
-          <p:cNvSpPr>
-            <a:spLocks noGrp="1" noChangeArrowheads="1"/>
-          </p:cNvSpPr>
-          <p:nvPr>
-            <p:ph type="title"/>
-          </p:nvPr>
-        </p:nvSpPr>
-        <p:spPr/>
-        <p:txBody>
-          <a:bodyPr/>
-          <a:lstStyle/>
-          <a:p>
-            <a:r>
-              <a:rPr lang="en-US" dirty="0" smtClean="0"/>
-              <a:t>Test </a:t>
-            </a:r>
-            <a:r>
-              <a:rPr lang="en-US" dirty="0"/>
-              <a:t>Execution</a:t>
-            </a:r>
-          </a:p>
-        </p:txBody>
-      </p:sp>
-      <p:sp>
-        <p:nvSpPr>
-          <p:cNvPr id="200707" name="Rectangle 3"/>
-          <p:cNvSpPr>
-            <a:spLocks noGrp="1" noChangeArrowheads="1"/>
-          </p:cNvSpPr>
-          <p:nvPr>
-            <p:ph type="body" idx="1"/>
-          </p:nvPr>
-        </p:nvSpPr>
-        <p:spPr>
-          <a:xfrm>
-            <a:off x="838200" y="1825624"/>
-            <a:ext cx="10515600" cy="4530725"/>
-          </a:xfrm>
-        </p:spPr>
-        <p:txBody>
-          <a:bodyPr>
-            <a:normAutofit fontScale="92500" lnSpcReduction="20000"/>
-          </a:bodyPr>
-          <a:lstStyle/>
-          <a:p>
-            <a:r>
-              <a:rPr lang="en-US" dirty="0"/>
-              <a:t>The software testers begin executing the test plan after the programmers deliver the alpha build, or a build that they feel is feature complete.</a:t>
-            </a:r>
-          </a:p>
-          <a:p>
-            <a:r>
-              <a:rPr lang="en-US" dirty="0"/>
-              <a:t>The alpha should be of high quality—the programmers should feel that it is ready for release, and as good as they can get it.</a:t>
-            </a:r>
-          </a:p>
-          <a:p>
-            <a:r>
-              <a:rPr lang="en-US" dirty="0"/>
-              <a:t>There are typically several iterations of test execution. </a:t>
-            </a:r>
-          </a:p>
-          <a:p>
-            <a:pPr lvl="1"/>
-            <a:r>
-              <a:rPr lang="en-US" dirty="0"/>
-              <a:t>The first iteration focuses on new functionality that has been added since the last round of testing.</a:t>
-            </a:r>
-          </a:p>
-          <a:p>
-            <a:pPr lvl="1"/>
-            <a:r>
-              <a:rPr lang="en-US" dirty="0"/>
-              <a:t>A regression test is a test designed to make sure that a change to one area of the software has not caused any other part of the software which had previously passed its tests to stop working. </a:t>
-            </a:r>
-          </a:p>
-          <a:p>
-            <a:pPr lvl="1"/>
-            <a:r>
-              <a:rPr lang="en-US" dirty="0"/>
-              <a:t>Regression testing usually involves executing all test cases which have previously been executed.</a:t>
-            </a:r>
-          </a:p>
-          <a:p>
-            <a:pPr lvl="1"/>
-            <a:r>
-              <a:rPr lang="en-US" dirty="0"/>
-              <a:t>There are typically at least two regression tests for any software project.</a:t>
-            </a:r>
-          </a:p>
-        </p:txBody>
-      </p:sp>
-      <p:sp>
-        <p:nvSpPr>
-          <p:cNvPr id="2" name="Slide Number Placeholder 1"/>
-          <p:cNvSpPr>
-            <a:spLocks noGrp="1"/>
-          </p:cNvSpPr>
-          <p:nvPr>
-            <p:ph type="sldNum" sz="quarter" idx="12"/>
-          </p:nvPr>
-        </p:nvSpPr>
-        <p:spPr/>
-        <p:txBody>
-          <a:bodyPr/>
-          <a:lstStyle/>
-          <a:p>
-            <a:fld id="{B543A0FD-1CA6-4228-86A2-78061B4844C8}" type="slidenum">
-              <a:rPr lang="en-US" smtClean="0"/>
-              <a:t>21</a:t>
-            </a:fld>
-            <a:endParaRPr lang="en-US"/>
-          </a:p>
-        </p:txBody>
-      </p:sp>
-    </p:spTree>
-    <p:extLst>
-      <p:ext uri="{BB962C8B-B14F-4D97-AF65-F5344CB8AC3E}">
-        <p14:creationId xmlns:p14="http://schemas.microsoft.com/office/powerpoint/2010/main" val="3737566773"/>
-      </p:ext>
-    </p:extLst>
-  </p:cSld>
-  <p:clrMapOvr>
-    <a:masterClrMapping/>
-  </p:clrMapOvr>
-</p:sld>
-</file>
-
 <file path=ppt/slides/slide22.xml><?xml version="1.0" encoding="utf-8"?>
 <p:sld xmlns:a="http://schemas.openxmlformats.org/drawingml/2006/main" xmlns:r="http://schemas.openxmlformats.org/officeDocument/2006/relationships" xmlns:p="http://schemas.openxmlformats.org/presentationml/2006/main">
   <p:cSld>
@@ -7508,6 +7669,170 @@
             <p:ph type="body" idx="1"/>
           </p:nvPr>
         </p:nvSpPr>
+        <p:spPr>
+          <a:xfrm>
+            <a:off x="838200" y="1825624"/>
+            <a:ext cx="10515600" cy="4530725"/>
+          </a:xfrm>
+        </p:spPr>
+        <p:txBody>
+          <a:bodyPr>
+            <a:normAutofit fontScale="92500" lnSpcReduction="10000"/>
+          </a:bodyPr>
+          <a:lstStyle/>
+          <a:p>
+            <a:r>
+              <a:rPr lang="en-US" dirty="0"/>
+              <a:t>The software testers begin executing the test plan after the </a:t>
+            </a:r>
+            <a:r>
+              <a:rPr lang="en-US" dirty="0" smtClean="0"/>
+              <a:t>developers </a:t>
+            </a:r>
+            <a:r>
+              <a:rPr lang="en-US" dirty="0"/>
+              <a:t>deliver the alpha build, or a build that they feel is feature complete.</a:t>
+            </a:r>
+          </a:p>
+          <a:p>
+            <a:r>
+              <a:rPr lang="en-US" dirty="0"/>
+              <a:t>The alpha should be of high quality—the </a:t>
+            </a:r>
+            <a:r>
+              <a:rPr lang="en-US" dirty="0" smtClean="0"/>
+              <a:t>developers </a:t>
+            </a:r>
+            <a:r>
+              <a:rPr lang="en-US" dirty="0"/>
+              <a:t>should feel that it is ready for release, and as good as they can get it.</a:t>
+            </a:r>
+          </a:p>
+          <a:p>
+            <a:r>
+              <a:rPr lang="en-US" dirty="0"/>
+              <a:t>There are typically several iterations of test execution. </a:t>
+            </a:r>
+          </a:p>
+          <a:p>
+            <a:pPr lvl="1"/>
+            <a:r>
+              <a:rPr lang="en-US" dirty="0"/>
+              <a:t>The first iteration focuses on new functionality that has been added since the last round of testing.</a:t>
+            </a:r>
+          </a:p>
+          <a:p>
+            <a:pPr lvl="1"/>
+            <a:r>
+              <a:rPr lang="en-US" dirty="0"/>
+              <a:t>A regression test is a test designed to make sure that a change to one area of the software has not caused any other part of the software which had previously passed its tests to stop working. </a:t>
+            </a:r>
+          </a:p>
+          <a:p>
+            <a:pPr lvl="1"/>
+            <a:r>
+              <a:rPr lang="en-US" dirty="0"/>
+              <a:t>Regression testing usually involves executing all test cases which have previously been executed.</a:t>
+            </a:r>
+          </a:p>
+          <a:p>
+            <a:pPr lvl="1"/>
+            <a:r>
+              <a:rPr lang="en-US" dirty="0"/>
+              <a:t>There are typically at least two regression tests for any software project.</a:t>
+            </a:r>
+          </a:p>
+        </p:txBody>
+      </p:sp>
+      <p:sp>
+        <p:nvSpPr>
+          <p:cNvPr id="2" name="Slide Number Placeholder 1"/>
+          <p:cNvSpPr>
+            <a:spLocks noGrp="1"/>
+          </p:cNvSpPr>
+          <p:nvPr>
+            <p:ph type="sldNum" sz="quarter" idx="12"/>
+          </p:nvPr>
+        </p:nvSpPr>
+        <p:spPr/>
+        <p:txBody>
+          <a:bodyPr/>
+          <a:lstStyle/>
+          <a:p>
+            <a:fld id="{B543A0FD-1CA6-4228-86A2-78061B4844C8}" type="slidenum">
+              <a:rPr lang="en-US" smtClean="0"/>
+              <a:t>22</a:t>
+            </a:fld>
+            <a:endParaRPr lang="en-US"/>
+          </a:p>
+        </p:txBody>
+      </p:sp>
+    </p:spTree>
+    <p:extLst>
+      <p:ext uri="{BB962C8B-B14F-4D97-AF65-F5344CB8AC3E}">
+        <p14:creationId xmlns:p14="http://schemas.microsoft.com/office/powerpoint/2010/main" val="3737566773"/>
+      </p:ext>
+    </p:extLst>
+  </p:cSld>
+  <p:clrMapOvr>
+    <a:masterClrMapping/>
+  </p:clrMapOvr>
+</p:sld>
+</file>
+
+<file path=ppt/slides/slide23.xml><?xml version="1.0" encoding="utf-8"?>
+<p:sld xmlns:a="http://schemas.openxmlformats.org/drawingml/2006/main" xmlns:r="http://schemas.openxmlformats.org/officeDocument/2006/relationships" xmlns:p="http://schemas.openxmlformats.org/presentationml/2006/main">
+  <p:cSld>
+    <p:spTree>
+      <p:nvGrpSpPr>
+        <p:cNvPr id="1" name=""/>
+        <p:cNvGrpSpPr/>
+        <p:nvPr/>
+      </p:nvGrpSpPr>
+      <p:grpSpPr>
+        <a:xfrm>
+          <a:off x="0" y="0"/>
+          <a:ext cx="0" cy="0"/>
+          <a:chOff x="0" y="0"/>
+          <a:chExt cx="0" cy="0"/>
+        </a:xfrm>
+      </p:grpSpPr>
+      <p:sp>
+        <p:nvSpPr>
+          <p:cNvPr id="200706" name="Rectangle 2"/>
+          <p:cNvSpPr>
+            <a:spLocks noGrp="1" noChangeArrowheads="1"/>
+          </p:cNvSpPr>
+          <p:nvPr>
+            <p:ph type="title"/>
+          </p:nvPr>
+        </p:nvSpPr>
+        <p:spPr/>
+        <p:txBody>
+          <a:bodyPr/>
+          <a:lstStyle/>
+          <a:p>
+            <a:r>
+              <a:rPr lang="en-US" dirty="0" smtClean="0"/>
+              <a:t>Test </a:t>
+            </a:r>
+            <a:r>
+              <a:rPr lang="en-US" dirty="0"/>
+              <a:t>Execution</a:t>
+            </a:r>
+          </a:p>
+        </p:txBody>
+      </p:sp>
+      <p:sp>
+        <p:nvSpPr>
+          <p:cNvPr id="200707" name="Rectangle 3"/>
+          <p:cNvSpPr>
+            <a:spLocks noGrp="1" noChangeArrowheads="1"/>
+          </p:cNvSpPr>
+          <p:nvPr>
+            <p:ph type="body" idx="1"/>
+          </p:nvPr>
+        </p:nvSpPr>
         <p:spPr/>
         <p:txBody>
           <a:bodyPr/>
@@ -7554,7 +7879,7 @@
           <a:p>
             <a:fld id="{B543A0FD-1CA6-4228-86A2-78061B4844C8}" type="slidenum">
               <a:rPr lang="en-US" smtClean="0"/>
-              <a:t>22</a:t>
+              <a:t>23</a:t>
             </a:fld>
             <a:endParaRPr lang="en-US"/>
           </a:p>
@@ -7641,129 +7966,6 @@
 </p:sld>
 </file>
 
-<file path=ppt/slides/slide23.xml><?xml version="1.0" encoding="utf-8"?>
-<p:sld xmlns:a="http://schemas.openxmlformats.org/drawingml/2006/main" xmlns:r="http://schemas.openxmlformats.org/officeDocument/2006/relationships" xmlns:p="http://schemas.openxmlformats.org/presentationml/2006/main">
-  <p:cSld>
-    <p:spTree>
-      <p:nvGrpSpPr>
-        <p:cNvPr id="1" name=""/>
-        <p:cNvGrpSpPr/>
-        <p:nvPr/>
-      </p:nvGrpSpPr>
-      <p:grpSpPr>
-        <a:xfrm>
-          <a:off x="0" y="0"/>
-          <a:ext cx="0" cy="0"/>
-          <a:chOff x="0" y="0"/>
-          <a:chExt cx="0" cy="0"/>
-        </a:xfrm>
-      </p:grpSpPr>
-      <p:sp>
-        <p:nvSpPr>
-          <p:cNvPr id="200706" name="Rectangle 2"/>
-          <p:cNvSpPr>
-            <a:spLocks noGrp="1" noChangeArrowheads="1"/>
-          </p:cNvSpPr>
-          <p:nvPr>
-            <p:ph type="title"/>
-          </p:nvPr>
-        </p:nvSpPr>
-        <p:spPr/>
-        <p:txBody>
-          <a:bodyPr/>
-          <a:lstStyle/>
-          <a:p>
-            <a:r>
-              <a:rPr lang="en-US" dirty="0"/>
-              <a:t>Automating Test Execution</a:t>
-            </a:r>
-          </a:p>
-        </p:txBody>
-      </p:sp>
-      <p:sp>
-        <p:nvSpPr>
-          <p:cNvPr id="200707" name="Rectangle 3"/>
-          <p:cNvSpPr>
-            <a:spLocks noGrp="1" noChangeArrowheads="1"/>
-          </p:cNvSpPr>
-          <p:nvPr>
-            <p:ph type="body" idx="1"/>
-          </p:nvPr>
-        </p:nvSpPr>
-        <p:spPr/>
-        <p:txBody>
-          <a:bodyPr/>
-          <a:lstStyle/>
-          <a:p>
-            <a:r>
-              <a:rPr lang="en-US" dirty="0"/>
-              <a:t>Designing test cases and test suites is creative</a:t>
-            </a:r>
-          </a:p>
-          <a:p>
-            <a:pPr lvl="1"/>
-            <a:r>
-              <a:rPr lang="en-US" dirty="0"/>
-              <a:t>Like any design activity: A demanding intellectual activity, requiring human judgment</a:t>
-            </a:r>
-          </a:p>
-          <a:p>
-            <a:r>
-              <a:rPr lang="en-US" dirty="0"/>
-              <a:t>Executing test cases should be automatic</a:t>
-            </a:r>
-          </a:p>
-          <a:p>
-            <a:pPr lvl="1"/>
-            <a:r>
-              <a:rPr lang="en-US" dirty="0"/>
-              <a:t>Design once, execute many times</a:t>
-            </a:r>
-          </a:p>
-          <a:p>
-            <a:r>
-              <a:rPr lang="en-US" dirty="0"/>
-              <a:t>Test automation separates the creative human process from the mechanical process of test execution</a:t>
-            </a:r>
-          </a:p>
-        </p:txBody>
-      </p:sp>
-      <p:sp>
-        <p:nvSpPr>
-          <p:cNvPr id="2" name="Slide Number Placeholder 1"/>
-          <p:cNvSpPr>
-            <a:spLocks noGrp="1"/>
-          </p:cNvSpPr>
-          <p:nvPr>
-            <p:ph type="sldNum" sz="quarter" idx="12"/>
-          </p:nvPr>
-        </p:nvSpPr>
-        <p:spPr/>
-        <p:txBody>
-          <a:bodyPr/>
-          <a:lstStyle/>
-          <a:p>
-            <a:fld id="{B543A0FD-1CA6-4228-86A2-78061B4844C8}" type="slidenum">
-              <a:rPr lang="en-US" smtClean="0"/>
-              <a:t>23</a:t>
-            </a:fld>
-            <a:endParaRPr lang="en-US"/>
-          </a:p>
-        </p:txBody>
-      </p:sp>
-    </p:spTree>
-    <p:extLst>
-      <p:ext uri="{BB962C8B-B14F-4D97-AF65-F5344CB8AC3E}">
-        <p14:creationId xmlns:p14="http://schemas.microsoft.com/office/powerpoint/2010/main" val="2714940288"/>
-      </p:ext>
-    </p:extLst>
-  </p:cSld>
-  <p:clrMapOvr>
-    <a:masterClrMapping/>
-  </p:clrMapOvr>
-</p:sld>
-</file>
-
 <file path=ppt/slides/slide24.xml><?xml version="1.0" encoding="utf-8"?>
 <p:sld xmlns:a="http://schemas.openxmlformats.org/drawingml/2006/main" xmlns:r="http://schemas.openxmlformats.org/officeDocument/2006/relationships" xmlns:p="http://schemas.openxmlformats.org/presentationml/2006/main">
   <p:cSld>
@@ -7783,7 +7985,7 @@
       </p:grpSpPr>
       <p:sp>
         <p:nvSpPr>
-          <p:cNvPr id="203778" name="Rectangle 2"/>
+          <p:cNvPr id="200706" name="Rectangle 2"/>
           <p:cNvSpPr>
             <a:spLocks noGrp="1" noChangeArrowheads="1"/>
           </p:cNvSpPr>
@@ -7793,21 +7995,19 @@
         </p:nvSpPr>
         <p:spPr/>
         <p:txBody>
-          <a:bodyPr>
-            <a:normAutofit/>
-          </a:bodyPr>
-          <a:lstStyle/>
-          <a:p>
-            <a:r>
-              <a:rPr lang="en-US" sz="3400" dirty="0"/>
-              <a:t>Generation: From Test Case Specifications to Test Cases</a:t>
-            </a:r>
-          </a:p>
-        </p:txBody>
-      </p:sp>
-      <p:sp>
-        <p:nvSpPr>
-          <p:cNvPr id="203779" name="Rectangle 3"/>
+          <a:bodyPr/>
+          <a:lstStyle/>
+          <a:p>
+            <a:r>
+              <a:rPr lang="en-US" dirty="0"/>
+              <a:t>Automating Test Execution</a:t>
+            </a:r>
+          </a:p>
+        </p:txBody>
+      </p:sp>
+      <p:sp>
+        <p:nvSpPr>
+          <p:cNvPr id="200707" name="Rectangle 3"/>
           <p:cNvSpPr>
             <a:spLocks noGrp="1" noChangeArrowheads="1"/>
           </p:cNvSpPr>
@@ -7821,34 +8021,34 @@
           <a:lstStyle/>
           <a:p>
             <a:r>
-              <a:rPr lang="it-IT" dirty="0"/>
-              <a:t>Test design often yields test case specifications, rather than concrete data</a:t>
+              <a:rPr lang="en-US" dirty="0"/>
+              <a:t>Designing test cases and test suites is creative</a:t>
             </a:r>
           </a:p>
           <a:p>
             <a:pPr lvl="1"/>
             <a:r>
-              <a:rPr lang="it-IT" dirty="0"/>
-              <a:t>Ex:  “a large positive number”, not 420023</a:t>
+              <a:rPr lang="en-US" dirty="0"/>
+              <a:t>Like any design activity: A demanding intellectual activity, requiring human judgment</a:t>
+            </a:r>
+          </a:p>
+          <a:p>
+            <a:r>
+              <a:rPr lang="en-US" dirty="0"/>
+              <a:t>Executing test cases should be automatic</a:t>
             </a:r>
           </a:p>
           <a:p>
             <a:pPr lvl="1"/>
             <a:r>
-              <a:rPr lang="it-IT" dirty="0"/>
-              <a:t>Ex: “a sorted sequence, length &gt; 2”, not “Alpha, Beta, Chi, Omega”</a:t>
-            </a:r>
-          </a:p>
-          <a:p>
-            <a:r>
-              <a:rPr lang="it-IT" dirty="0"/>
-              <a:t>Other details for execution may be omitted</a:t>
-            </a:r>
-          </a:p>
-          <a:p>
-            <a:r>
-              <a:rPr lang="it-IT" dirty="0"/>
-              <a:t>Generation creates concrete, executable test cases from test case specifications</a:t>
+              <a:rPr lang="en-US" dirty="0"/>
+              <a:t>Design once, execute many times</a:t>
+            </a:r>
+          </a:p>
+          <a:p>
+            <a:r>
+              <a:rPr lang="en-US" dirty="0"/>
+              <a:t>Test automation separates the creative human process from the mechanical process of test execution</a:t>
             </a:r>
           </a:p>
         </p:txBody>
@@ -7879,7 +8079,7 @@
     </p:spTree>
     <p:extLst>
       <p:ext uri="{BB962C8B-B14F-4D97-AF65-F5344CB8AC3E}">
-        <p14:creationId xmlns:p14="http://schemas.microsoft.com/office/powerpoint/2010/main" val="4213337165"/>
+        <p14:creationId xmlns:p14="http://schemas.microsoft.com/office/powerpoint/2010/main" val="2714940288"/>
       </p:ext>
     </p:extLst>
   </p:cSld>
@@ -7908,6 +8108,131 @@
       </p:grpSpPr>
       <p:sp>
         <p:nvSpPr>
+          <p:cNvPr id="203778" name="Rectangle 2"/>
+          <p:cNvSpPr>
+            <a:spLocks noGrp="1" noChangeArrowheads="1"/>
+          </p:cNvSpPr>
+          <p:nvPr>
+            <p:ph type="title"/>
+          </p:nvPr>
+        </p:nvSpPr>
+        <p:spPr/>
+        <p:txBody>
+          <a:bodyPr>
+            <a:normAutofit/>
+          </a:bodyPr>
+          <a:lstStyle/>
+          <a:p>
+            <a:r>
+              <a:rPr lang="en-US" sz="3400" dirty="0"/>
+              <a:t>Generation: From Test Case Specifications to Test Cases</a:t>
+            </a:r>
+          </a:p>
+        </p:txBody>
+      </p:sp>
+      <p:sp>
+        <p:nvSpPr>
+          <p:cNvPr id="203779" name="Rectangle 3"/>
+          <p:cNvSpPr>
+            <a:spLocks noGrp="1" noChangeArrowheads="1"/>
+          </p:cNvSpPr>
+          <p:nvPr>
+            <p:ph type="body" idx="1"/>
+          </p:nvPr>
+        </p:nvSpPr>
+        <p:spPr/>
+        <p:txBody>
+          <a:bodyPr/>
+          <a:lstStyle/>
+          <a:p>
+            <a:r>
+              <a:rPr lang="it-IT" dirty="0"/>
+              <a:t>Test design often yields test case specifications, rather than concrete data</a:t>
+            </a:r>
+          </a:p>
+          <a:p>
+            <a:pPr lvl="1"/>
+            <a:r>
+              <a:rPr lang="it-IT" dirty="0"/>
+              <a:t>Ex:  “a large positive number”, not 420023</a:t>
+            </a:r>
+          </a:p>
+          <a:p>
+            <a:pPr lvl="1"/>
+            <a:r>
+              <a:rPr lang="it-IT" dirty="0"/>
+              <a:t>Ex: “a sorted sequence, length &gt; 2”, not “Alpha, Beta, Chi, Omega”</a:t>
+            </a:r>
+          </a:p>
+          <a:p>
+            <a:r>
+              <a:rPr lang="it-IT" dirty="0"/>
+              <a:t>Other details for execution may be omitted</a:t>
+            </a:r>
+          </a:p>
+          <a:p>
+            <a:r>
+              <a:rPr lang="it-IT" dirty="0"/>
+              <a:t>Generation creates concrete, executable test cases from test case specifications</a:t>
+            </a:r>
+          </a:p>
+        </p:txBody>
+      </p:sp>
+      <p:sp>
+        <p:nvSpPr>
+          <p:cNvPr id="2" name="Slide Number Placeholder 1"/>
+          <p:cNvSpPr>
+            <a:spLocks noGrp="1"/>
+          </p:cNvSpPr>
+          <p:nvPr>
+            <p:ph type="sldNum" sz="quarter" idx="12"/>
+          </p:nvPr>
+        </p:nvSpPr>
+        <p:spPr/>
+        <p:txBody>
+          <a:bodyPr/>
+          <a:lstStyle/>
+          <a:p>
+            <a:fld id="{B543A0FD-1CA6-4228-86A2-78061B4844C8}" type="slidenum">
+              <a:rPr lang="en-US" smtClean="0"/>
+              <a:t>25</a:t>
+            </a:fld>
+            <a:endParaRPr lang="en-US"/>
+          </a:p>
+        </p:txBody>
+      </p:sp>
+    </p:spTree>
+    <p:extLst>
+      <p:ext uri="{BB962C8B-B14F-4D97-AF65-F5344CB8AC3E}">
+        <p14:creationId xmlns:p14="http://schemas.microsoft.com/office/powerpoint/2010/main" val="4213337165"/>
+      </p:ext>
+    </p:extLst>
+  </p:cSld>
+  <p:clrMapOvr>
+    <a:masterClrMapping/>
+  </p:clrMapOvr>
+</p:sld>
+</file>
+
+<file path=ppt/slides/slide26.xml><?xml version="1.0" encoding="utf-8"?>
+<p:sld xmlns:a="http://schemas.openxmlformats.org/drawingml/2006/main" xmlns:r="http://schemas.openxmlformats.org/officeDocument/2006/relationships" xmlns:p="http://schemas.openxmlformats.org/presentationml/2006/main">
+  <p:cSld>
+    <p:spTree>
+      <p:nvGrpSpPr>
+        <p:cNvPr id="1" name=""/>
+        <p:cNvGrpSpPr/>
+        <p:nvPr/>
+      </p:nvGrpSpPr>
+      <p:grpSpPr>
+        <a:xfrm>
+          <a:off x="0" y="0"/>
+          <a:ext cx="0" cy="0"/>
+          <a:chOff x="0" y="0"/>
+          <a:chExt cx="0" cy="0"/>
+        </a:xfrm>
+      </p:grpSpPr>
+      <p:sp>
+        <p:nvSpPr>
           <p:cNvPr id="195586" name="Rectangle 2"/>
           <p:cNvSpPr>
             <a:spLocks noGrp="1" noChangeArrowheads="1"/>
@@ -7942,7 +8267,7 @@
         <p:spPr>
           <a:xfrm>
             <a:off x="838200" y="1825625"/>
-            <a:ext cx="10683240" cy="4351338"/>
+            <a:ext cx="10756392" cy="4351338"/>
           </a:xfrm>
         </p:spPr>
         <p:txBody>
@@ -8037,7 +8362,7 @@
           <a:p>
             <a:fld id="{B543A0FD-1CA6-4228-86A2-78061B4844C8}" type="slidenum">
               <a:rPr lang="en-US" smtClean="0"/>
-              <a:t>25</a:t>
+              <a:t>26</a:t>
             </a:fld>
             <a:endParaRPr lang="en-US"/>
           </a:p>
@@ -8063,7 +8388,7 @@
 </p:sld>
 </file>
 
-<file path=ppt/slides/slide26.xml><?xml version="1.0" encoding="utf-8"?>
+<file path=ppt/slides/slide27.xml><?xml version="1.0" encoding="utf-8"?>
 <p:sld xmlns:a="http://schemas.openxmlformats.org/drawingml/2006/main" xmlns:r="http://schemas.openxmlformats.org/officeDocument/2006/relationships" xmlns:p="http://schemas.openxmlformats.org/presentationml/2006/main">
   <p:cSld>
     <p:spTree>
@@ -8252,7 +8577,7 @@
           <a:p>
             <a:fld id="{B543A0FD-1CA6-4228-86A2-78061B4844C8}" type="slidenum">
               <a:rPr lang="en-US" smtClean="0"/>
-              <a:t>26</a:t>
+              <a:t>27</a:t>
             </a:fld>
             <a:endParaRPr lang="en-US"/>
           </a:p>
@@ -8278,7 +8603,7 @@
 </p:sld>
 </file>
 
-<file path=ppt/slides/slide27.xml><?xml version="1.0" encoding="utf-8"?>
+<file path=ppt/slides/slide28.xml><?xml version="1.0" encoding="utf-8"?>
 <p:sld xmlns:a="http://schemas.openxmlformats.org/drawingml/2006/main" xmlns:r="http://schemas.openxmlformats.org/officeDocument/2006/relationships" xmlns:p="http://schemas.openxmlformats.org/presentationml/2006/main">
   <p:cSld>
     <p:spTree>
@@ -8330,14 +8655,14 @@
           </a:ln>
           <a:extLst>
             <a:ext uri="{909E8E84-426E-40dd-AFC4-6F175D3DCCD1}">
-              <a14:hiddenFill xmlns:a14="http://schemas.microsoft.com/office/drawing/2010/main" xmlns="">
+              <a14:hiddenFill xmlns="" xmlns:a14="http://schemas.microsoft.com/office/drawing/2010/main">
                 <a:solidFill>
                   <a:srgbClr val="FFFFFF"/>
                 </a:solidFill>
               </a14:hiddenFill>
             </a:ext>
             <a:ext uri="{91240B29-F687-4f45-9708-019B960494DF}">
-              <a14:hiddenLine xmlns:a14="http://schemas.microsoft.com/office/drawing/2010/main" xmlns="" w="9525">
+              <a14:hiddenLine xmlns="" xmlns:a14="http://schemas.microsoft.com/office/drawing/2010/main" w="9525">
                 <a:solidFill>
                   <a:srgbClr val="000000"/>
                 </a:solidFill>
@@ -8389,7 +8714,7 @@
           <a:p>
             <a:fld id="{B543A0FD-1CA6-4228-86A2-78061B4844C8}" type="slidenum">
               <a:rPr lang="en-US" smtClean="0"/>
-              <a:t>27</a:t>
+              <a:t>28</a:t>
             </a:fld>
             <a:endParaRPr lang="en-US"/>
           </a:p>
@@ -8416,7 +8741,7 @@
 </p:sld>
 </file>
 
-<file path=ppt/slides/slide28.xml><?xml version="1.0" encoding="utf-8"?>
+<file path=ppt/slides/slide29.xml><?xml version="1.0" encoding="utf-8"?>
 <p:sld xmlns:a="http://schemas.openxmlformats.org/drawingml/2006/main" xmlns:r="http://schemas.openxmlformats.org/officeDocument/2006/relationships" xmlns:p="http://schemas.openxmlformats.org/presentationml/2006/main">
   <p:cSld>
     <p:spTree>
@@ -8491,14 +8816,14 @@
           </a:ln>
           <a:extLst>
             <a:ext uri="{909E8E84-426E-40dd-AFC4-6F175D3DCCD1}">
-              <a14:hiddenFill xmlns:a14="http://schemas.microsoft.com/office/drawing/2010/main" xmlns="">
+              <a14:hiddenFill xmlns="" xmlns:a14="http://schemas.microsoft.com/office/drawing/2010/main">
                 <a:solidFill>
                   <a:srgbClr val="FFFFFF"/>
                 </a:solidFill>
               </a14:hiddenFill>
             </a:ext>
             <a:ext uri="{91240B29-F687-4f45-9708-019B960494DF}">
-              <a14:hiddenLine xmlns:a14="http://schemas.microsoft.com/office/drawing/2010/main" xmlns="" w="9525">
+              <a14:hiddenLine xmlns="" xmlns:a14="http://schemas.microsoft.com/office/drawing/2010/main" w="9525">
                 <a:solidFill>
                   <a:srgbClr val="000000"/>
                 </a:solidFill>
@@ -8545,14 +8870,14 @@
           </a:ln>
           <a:extLst>
             <a:ext uri="{909E8E84-426E-40dd-AFC4-6F175D3DCCD1}">
-              <a14:hiddenFill xmlns:a14="http://schemas.microsoft.com/office/drawing/2010/main" xmlns="">
+              <a14:hiddenFill xmlns="" xmlns:a14="http://schemas.microsoft.com/office/drawing/2010/main">
                 <a:solidFill>
                   <a:srgbClr val="FFFFFF"/>
                 </a:solidFill>
               </a14:hiddenFill>
             </a:ext>
             <a:ext uri="{91240B29-F687-4f45-9708-019B960494DF}">
-              <a14:hiddenLine xmlns:a14="http://schemas.microsoft.com/office/drawing/2010/main" xmlns="" w="9525">
+              <a14:hiddenLine xmlns="" xmlns:a14="http://schemas.microsoft.com/office/drawing/2010/main" w="9525">
                 <a:solidFill>
                   <a:srgbClr val="000000"/>
                 </a:solidFill>
@@ -8599,14 +8924,14 @@
           </a:ln>
           <a:extLst>
             <a:ext uri="{909E8E84-426E-40dd-AFC4-6F175D3DCCD1}">
-              <a14:hiddenFill xmlns:a14="http://schemas.microsoft.com/office/drawing/2010/main" xmlns="">
+              <a14:hiddenFill xmlns="" xmlns:a14="http://schemas.microsoft.com/office/drawing/2010/main">
                 <a:solidFill>
                   <a:srgbClr val="FFFFFF"/>
                 </a:solidFill>
               </a14:hiddenFill>
             </a:ext>
             <a:ext uri="{91240B29-F687-4f45-9708-019B960494DF}">
-              <a14:hiddenLine xmlns:a14="http://schemas.microsoft.com/office/drawing/2010/main" xmlns="" w="9525">
+              <a14:hiddenLine xmlns="" xmlns:a14="http://schemas.microsoft.com/office/drawing/2010/main" w="9525">
                 <a:solidFill>
                   <a:srgbClr val="000000"/>
                 </a:solidFill>
@@ -8635,7 +8960,7 @@
           <a:p>
             <a:fld id="{B543A0FD-1CA6-4228-86A2-78061B4844C8}" type="slidenum">
               <a:rPr lang="en-US" smtClean="0"/>
-              <a:t>28</a:t>
+              <a:t>29</a:t>
             </a:fld>
             <a:endParaRPr lang="en-US"/>
           </a:p>
@@ -8820,167 +9145,6 @@
 </p:sld>
 </file>
 
-<file path=ppt/slides/slide29.xml><?xml version="1.0" encoding="utf-8"?>
-<p:sld xmlns:a="http://schemas.openxmlformats.org/drawingml/2006/main" xmlns:r="http://schemas.openxmlformats.org/officeDocument/2006/relationships" xmlns:p="http://schemas.openxmlformats.org/presentationml/2006/main">
-  <p:cSld>
-    <p:spTree>
-      <p:nvGrpSpPr>
-        <p:cNvPr id="1" name=""/>
-        <p:cNvGrpSpPr/>
-        <p:nvPr/>
-      </p:nvGrpSpPr>
-      <p:grpSpPr>
-        <a:xfrm>
-          <a:off x="0" y="0"/>
-          <a:ext cx="0" cy="0"/>
-          <a:chOff x="0" y="0"/>
-          <a:chExt cx="0" cy="0"/>
-        </a:xfrm>
-      </p:grpSpPr>
-      <p:sp>
-        <p:nvSpPr>
-          <p:cNvPr id="196610" name="Rectangle 2"/>
-          <p:cNvSpPr>
-            <a:spLocks noGrp="1" noChangeArrowheads="1"/>
-          </p:cNvSpPr>
-          <p:nvPr>
-            <p:ph type="title"/>
-          </p:nvPr>
-        </p:nvSpPr>
-        <p:spPr/>
-        <p:txBody>
-          <a:bodyPr/>
-          <a:lstStyle/>
-          <a:p>
-            <a:r>
-              <a:rPr lang="it-IT" dirty="0"/>
-              <a:t>Generic or Specific?</a:t>
-            </a:r>
-          </a:p>
-        </p:txBody>
-      </p:sp>
-      <p:sp>
-        <p:nvSpPr>
-          <p:cNvPr id="196612" name="Rectangle 4"/>
-          <p:cNvSpPr>
-            <a:spLocks noGrp="1" noChangeArrowheads="1"/>
-          </p:cNvSpPr>
-          <p:nvPr>
-            <p:ph type="body" idx="1"/>
-          </p:nvPr>
-        </p:nvSpPr>
-        <p:spPr/>
-        <p:txBody>
-          <a:bodyPr/>
-          <a:lstStyle/>
-          <a:p>
-            <a:r>
-              <a:rPr lang="en-US" dirty="0"/>
-              <a:t>How general should scaffolding be?</a:t>
-            </a:r>
-          </a:p>
-          <a:p>
-            <a:pPr lvl="1"/>
-            <a:r>
-              <a:rPr lang="en-US" dirty="0"/>
-              <a:t>We could build a driver and stubs for each test case</a:t>
-            </a:r>
-          </a:p>
-          <a:p>
-            <a:pPr lvl="1"/>
-            <a:r>
-              <a:rPr lang="en-US" dirty="0"/>
-              <a:t>... or at least factor out some common code of the driver and test management (e.g., </a:t>
-            </a:r>
-            <a:r>
-              <a:rPr lang="en-US" b="1" dirty="0"/>
-              <a:t>JUnit</a:t>
-            </a:r>
-            <a:r>
-              <a:rPr lang="en-US" dirty="0"/>
-              <a:t>)</a:t>
-            </a:r>
-          </a:p>
-          <a:p>
-            <a:pPr lvl="1"/>
-            <a:r>
-              <a:rPr lang="en-US" dirty="0"/>
-              <a:t>... or further factor out some common support code, to drive a large number of test cases from data (as in </a:t>
-            </a:r>
-            <a:r>
-              <a:rPr lang="en-US" b="1" dirty="0"/>
-              <a:t>DDSteps</a:t>
-            </a:r>
-            <a:r>
-              <a:rPr lang="en-US" dirty="0"/>
-              <a:t>)</a:t>
-            </a:r>
-          </a:p>
-          <a:p>
-            <a:pPr lvl="1"/>
-            <a:r>
-              <a:rPr lang="en-US" dirty="0"/>
-              <a:t>... or further, generate the data automatically from a more abstract model (e.g., network traffic model)</a:t>
-            </a:r>
-          </a:p>
-          <a:p>
-            <a:r>
-              <a:rPr lang="en-US" dirty="0"/>
-              <a:t>A question of costs and re-use</a:t>
-            </a:r>
-          </a:p>
-          <a:p>
-            <a:pPr lvl="1"/>
-            <a:r>
-              <a:rPr lang="en-US" dirty="0"/>
-              <a:t>Just as for other kinds of software </a:t>
-            </a:r>
-          </a:p>
-        </p:txBody>
-      </p:sp>
-      <p:sp>
-        <p:nvSpPr>
-          <p:cNvPr id="2" name="Slide Number Placeholder 1"/>
-          <p:cNvSpPr>
-            <a:spLocks noGrp="1"/>
-          </p:cNvSpPr>
-          <p:nvPr>
-            <p:ph type="sldNum" sz="quarter" idx="12"/>
-          </p:nvPr>
-        </p:nvSpPr>
-        <p:spPr/>
-        <p:txBody>
-          <a:bodyPr/>
-          <a:lstStyle/>
-          <a:p>
-            <a:fld id="{B543A0FD-1CA6-4228-86A2-78061B4844C8}" type="slidenum">
-              <a:rPr lang="en-US" smtClean="0"/>
-              <a:t>29</a:t>
-            </a:fld>
-            <a:endParaRPr lang="en-US"/>
-          </a:p>
-        </p:txBody>
-      </p:sp>
-    </p:spTree>
-    <p:extLst>
-      <p:ext uri="{BB962C8B-B14F-4D97-AF65-F5344CB8AC3E}">
-        <p14:creationId xmlns:p14="http://schemas.microsoft.com/office/powerpoint/2010/main" val="1503655586"/>
-      </p:ext>
-    </p:extLst>
-  </p:cSld>
-  <p:clrMapOvr>
-    <a:masterClrMapping/>
-  </p:clrMapOvr>
-  <p:timing>
-    <p:tnLst>
-      <p:par>
-        <p:cTn id="1" dur="indefinite" restart="never" nodeType="tmRoot"/>
-      </p:par>
-    </p:tnLst>
-  </p:timing>
-</p:sld>
-</file>
-
 <file path=ppt/slides/slide3.xml><?xml version="1.0" encoding="utf-8"?>
 <p:sld xmlns:a="http://schemas.openxmlformats.org/drawingml/2006/main" xmlns:r="http://schemas.openxmlformats.org/officeDocument/2006/relationships" xmlns:p="http://schemas.openxmlformats.org/presentationml/2006/main">
   <p:cSld>
@@ -9134,7 +9298,7 @@
       </p:grpSpPr>
       <p:sp>
         <p:nvSpPr>
-          <p:cNvPr id="219138" name="Rectangle 2"/>
+          <p:cNvPr id="196610" name="Rectangle 2"/>
           <p:cNvSpPr>
             <a:spLocks noGrp="1" noChangeArrowheads="1"/>
           </p:cNvSpPr>
@@ -9148,15 +9312,15 @@
           <a:lstStyle/>
           <a:p>
             <a:r>
-              <a:rPr lang="en-US" dirty="0"/>
-              <a:t>Oracles</a:t>
-            </a:r>
-          </a:p>
-        </p:txBody>
-      </p:sp>
-      <p:sp>
-        <p:nvSpPr>
-          <p:cNvPr id="219139" name="Rectangle 3"/>
+              <a:rPr lang="it-IT" dirty="0"/>
+              <a:t>Generic or Specific?</a:t>
+            </a:r>
+          </a:p>
+        </p:txBody>
+      </p:sp>
+      <p:sp>
+        <p:nvSpPr>
+          <p:cNvPr id="196612" name="Rectangle 4"/>
           <p:cNvSpPr>
             <a:spLocks noGrp="1" noChangeArrowheads="1"/>
           </p:cNvSpPr>
@@ -9171,86 +9335,65 @@
           <a:p>
             <a:r>
               <a:rPr lang="en-US" dirty="0"/>
-              <a:t>Did this test case succeed, or fail?</a:t>
+              <a:t>How general should scaffolding be?</a:t>
             </a:r>
           </a:p>
           <a:p>
             <a:pPr lvl="1"/>
             <a:r>
               <a:rPr lang="en-US" dirty="0"/>
-              <a:t>No use running 10,000 test cases automatically if the results must be checked by hand!</a:t>
-            </a:r>
-          </a:p>
-          <a:p>
-            <a:r>
-              <a:rPr lang="en-US" dirty="0"/>
-              <a:t>Range of specific to general, again</a:t>
+              <a:t>We could build a driver and stubs for each test case</a:t>
             </a:r>
           </a:p>
           <a:p>
             <a:pPr lvl="1"/>
             <a:r>
               <a:rPr lang="en-US" dirty="0"/>
-              <a:t>ex. JUnit: Specific oracle (</a:t>
-            </a:r>
-            <a:r>
-              <a:rPr lang="ja-JP" altLang="en-US" dirty="0">
-                <a:latin typeface="Arial"/>
-              </a:rPr>
-              <a:t>“</a:t>
-            </a:r>
-            <a:r>
-              <a:rPr lang="en-US" dirty="0"/>
-              <a:t>assert</a:t>
-            </a:r>
-            <a:r>
-              <a:rPr lang="ja-JP" altLang="en-US" dirty="0">
-                <a:latin typeface="Arial"/>
-              </a:rPr>
-              <a:t>”</a:t>
-            </a:r>
-            <a:r>
-              <a:rPr lang="en-US" dirty="0"/>
-              <a:t>) coded by hand in each test case</a:t>
+              <a:t>... or at least factor out some common code of the driver and test management (e.g., </a:t>
+            </a:r>
+            <a:r>
+              <a:rPr lang="en-US" b="1" dirty="0"/>
+              <a:t>JUnit</a:t>
+            </a:r>
+            <a:r>
+              <a:rPr lang="en-US" dirty="0"/>
+              <a:t>)</a:t>
             </a:r>
           </a:p>
           <a:p>
             <a:pPr lvl="1"/>
             <a:r>
               <a:rPr lang="en-US" dirty="0"/>
-              <a:t>Typical approach: </a:t>
-            </a:r>
-            <a:r>
-              <a:rPr lang="ja-JP" altLang="en-US" dirty="0">
-                <a:latin typeface="Arial"/>
-              </a:rPr>
-              <a:t>“</a:t>
-            </a:r>
-            <a:r>
-              <a:rPr lang="en-US" dirty="0"/>
-              <a:t>comparison-based</a:t>
-            </a:r>
-            <a:r>
-              <a:rPr lang="ja-JP" altLang="en-US" dirty="0">
-                <a:latin typeface="Arial"/>
-              </a:rPr>
-              <a:t>”</a:t>
-            </a:r>
-            <a:r>
-              <a:rPr lang="en-US" dirty="0"/>
-              <a:t> oracle with predicted output value</a:t>
+              <a:t>... or further factor out some common support code, to drive a large number of test cases from data (as in </a:t>
+            </a:r>
+            <a:r>
+              <a:rPr lang="en-US" b="1" dirty="0"/>
+              <a:t>DDSteps</a:t>
+            </a:r>
+            <a:r>
+              <a:rPr lang="en-US" dirty="0"/>
+              <a:t>)</a:t>
             </a:r>
           </a:p>
           <a:p>
             <a:pPr lvl="1"/>
             <a:r>
               <a:rPr lang="en-US" dirty="0"/>
-              <a:t>Not the only approach! </a:t>
+              <a:t>... or further, generate the data automatically from a more abstract model (e.g., network traffic model)</a:t>
+            </a:r>
+          </a:p>
+          <a:p>
+            <a:r>
+              <a:rPr lang="en-US" dirty="0"/>
+              <a:t>A question of costs and re-use</a:t>
             </a:r>
           </a:p>
           <a:p>
             <a:pPr lvl="1"/>
-            <a:endParaRPr lang="en-US" dirty="0"/>
+            <a:r>
+              <a:rPr lang="en-US" dirty="0"/>
+              <a:t>Just as for other kinds of software </a:t>
+            </a:r>
           </a:p>
         </p:txBody>
       </p:sp>
@@ -9280,7 +9423,7 @@
     </p:spTree>
     <p:extLst>
       <p:ext uri="{BB962C8B-B14F-4D97-AF65-F5344CB8AC3E}">
-        <p14:creationId xmlns:p14="http://schemas.microsoft.com/office/powerpoint/2010/main" val="229100126"/>
+        <p14:creationId xmlns:p14="http://schemas.microsoft.com/office/powerpoint/2010/main" val="1503655586"/>
       </p:ext>
     </p:extLst>
   </p:cSld>
@@ -9316,7 +9459,7 @@
       </p:grpSpPr>
       <p:sp>
         <p:nvSpPr>
-          <p:cNvPr id="220165" name="Rectangle 5"/>
+          <p:cNvPr id="219138" name="Rectangle 2"/>
           <p:cNvSpPr>
             <a:spLocks noGrp="1" noChangeArrowheads="1"/>
           </p:cNvSpPr>
@@ -9324,101 +9467,118 @@
             <p:ph type="title"/>
           </p:nvPr>
         </p:nvSpPr>
-        <p:spPr>
-          <a:xfrm>
-            <a:off x="659384" y="342900"/>
-            <a:ext cx="7762240" cy="1066800"/>
-          </a:xfrm>
-        </p:spPr>
-        <p:txBody>
-          <a:bodyPr/>
-          <a:lstStyle/>
-          <a:p>
-            <a:r>
-              <a:rPr lang="en-US" dirty="0" smtClean="0"/>
-              <a:t>Comparison-based oracle</a:t>
-            </a:r>
+        <p:spPr/>
+        <p:txBody>
+          <a:bodyPr/>
+          <a:lstStyle/>
+          <a:p>
+            <a:r>
+              <a:rPr lang="en-US" dirty="0"/>
+              <a:t>Oracles</a:t>
+            </a:r>
+          </a:p>
+        </p:txBody>
+      </p:sp>
+      <p:sp>
+        <p:nvSpPr>
+          <p:cNvPr id="219139" name="Rectangle 3"/>
+          <p:cNvSpPr>
+            <a:spLocks noGrp="1" noChangeArrowheads="1"/>
+          </p:cNvSpPr>
+          <p:nvPr>
+            <p:ph type="body" idx="1"/>
+          </p:nvPr>
+        </p:nvSpPr>
+        <p:spPr/>
+        <p:txBody>
+          <a:bodyPr/>
+          <a:lstStyle/>
+          <a:p>
+            <a:r>
+              <a:rPr lang="en-US" dirty="0"/>
+              <a:t>Did this test case succeed, or fail?</a:t>
+            </a:r>
+          </a:p>
+          <a:p>
+            <a:pPr lvl="1"/>
+            <a:r>
+              <a:rPr lang="en-US" dirty="0"/>
+              <a:t>No use running 10,000 test cases automatically if the results must be checked by hand!</a:t>
+            </a:r>
+          </a:p>
+          <a:p>
+            <a:r>
+              <a:rPr lang="en-US" dirty="0"/>
+              <a:t>Range of specific to general, again</a:t>
+            </a:r>
+          </a:p>
+          <a:p>
+            <a:pPr lvl="1"/>
+            <a:r>
+              <a:rPr lang="en-US" dirty="0"/>
+              <a:t>ex. JUnit: Specific oracle (</a:t>
+            </a:r>
+            <a:r>
+              <a:rPr lang="ja-JP" altLang="en-US" dirty="0">
+                <a:latin typeface="Arial"/>
+              </a:rPr>
+              <a:t>“</a:t>
+            </a:r>
+            <a:r>
+              <a:rPr lang="en-US" dirty="0"/>
+              <a:t>assert</a:t>
+            </a:r>
+            <a:r>
+              <a:rPr lang="ja-JP" altLang="en-US" dirty="0">
+                <a:latin typeface="Arial"/>
+              </a:rPr>
+              <a:t>”</a:t>
+            </a:r>
+            <a:r>
+              <a:rPr lang="en-US" dirty="0"/>
+              <a:t>) coded by hand in each test case</a:t>
+            </a:r>
+          </a:p>
+          <a:p>
+            <a:pPr lvl="1"/>
+            <a:r>
+              <a:rPr lang="en-US" dirty="0"/>
+              <a:t>Typical approach: </a:t>
+            </a:r>
+            <a:r>
+              <a:rPr lang="ja-JP" altLang="en-US" dirty="0">
+                <a:latin typeface="Arial"/>
+              </a:rPr>
+              <a:t>“</a:t>
+            </a:r>
+            <a:r>
+              <a:rPr lang="en-US" dirty="0"/>
+              <a:t>comparison-based</a:t>
+            </a:r>
+            <a:r>
+              <a:rPr lang="ja-JP" altLang="en-US" dirty="0">
+                <a:latin typeface="Arial"/>
+              </a:rPr>
+              <a:t>”</a:t>
+            </a:r>
+            <a:r>
+              <a:rPr lang="en-US" dirty="0"/>
+              <a:t> oracle with predicted output value</a:t>
+            </a:r>
+          </a:p>
+          <a:p>
+            <a:pPr lvl="1"/>
+            <a:r>
+              <a:rPr lang="en-US" dirty="0"/>
+              <a:t>Not the only approach! </a:t>
+            </a:r>
+          </a:p>
+          <a:p>
+            <a:pPr lvl="1"/>
             <a:endParaRPr lang="en-US" dirty="0"/>
           </a:p>
         </p:txBody>
       </p:sp>
-      <p:pic>
-        <p:nvPicPr>
-          <p:cNvPr id="220168" name="Picture 8" descr="Harness-comparison-based.pdf                                   00089516Macintosh HD                   C2DAC9E8:"/>
-          <p:cNvPicPr>
-            <a:picLocks noGrp="1" noChangeAspect="1" noChangeArrowheads="1"/>
-          </p:cNvPicPr>
-          <p:nvPr>
-            <p:ph sz="half" idx="1"/>
-          </p:nvPr>
-        </p:nvPicPr>
-        <p:blipFill>
-          <a:blip r:embed="rId3">
-            <a:extLst>
-              <a:ext uri="{28A0092B-C50C-407E-A947-70E740481C1C}">
-                <a14:useLocalDpi xmlns:a14="http://schemas.microsoft.com/office/drawing/2010/main" val="0"/>
-              </a:ext>
-            </a:extLst>
-          </a:blip>
-          <a:srcRect l="-2488" r="-2488"/>
-          <a:stretch>
-            <a:fillRect/>
-          </a:stretch>
-        </p:blipFill>
-        <p:spPr>
-          <a:xfrm>
-            <a:off x="1930400" y="1568958"/>
-            <a:ext cx="8229600" cy="2743200"/>
-          </a:xfrm>
-        </p:spPr>
-      </p:pic>
-      <p:sp>
-        <p:nvSpPr>
-          <p:cNvPr id="220167" name="Rectangle 7"/>
-          <p:cNvSpPr>
-            <a:spLocks noGrp="1" noChangeArrowheads="1"/>
-          </p:cNvSpPr>
-          <p:nvPr>
-            <p:ph type="body" sz="half" idx="2"/>
-          </p:nvPr>
-        </p:nvSpPr>
-        <p:spPr>
-          <a:xfrm>
-            <a:off x="932688" y="4355592"/>
-            <a:ext cx="10030968" cy="2209800"/>
-          </a:xfrm>
-        </p:spPr>
-        <p:txBody>
-          <a:bodyPr/>
-          <a:lstStyle/>
-          <a:p>
-            <a:r>
-              <a:rPr lang="en-US" sz="2400" dirty="0"/>
-              <a:t>With a comparison-based oracle, we need predicted output for each input</a:t>
-            </a:r>
-          </a:p>
-          <a:p>
-            <a:pPr lvl="1"/>
-            <a:r>
-              <a:rPr lang="en-US" sz="2000" dirty="0"/>
-              <a:t>Oracle compares actual to predicted output, and reports failure if they differ</a:t>
-            </a:r>
-          </a:p>
-          <a:p>
-            <a:r>
-              <a:rPr lang="en-US" sz="2400" dirty="0"/>
-              <a:t>Fine for a small number of hand-generated test cases</a:t>
-            </a:r>
-          </a:p>
-          <a:p>
-            <a:pPr lvl="1"/>
-            <a:r>
-              <a:rPr lang="en-US" sz="2000" dirty="0"/>
-              <a:t>E.g., for hand-written JUnit test cases</a:t>
-            </a:r>
-          </a:p>
-        </p:txBody>
-      </p:sp>
       <p:sp>
         <p:nvSpPr>
           <p:cNvPr id="2" name="Slide Number Placeholder 1"/>
@@ -9426,40 +9586,26 @@
             <a:spLocks noGrp="1"/>
           </p:cNvSpPr>
           <p:nvPr>
-            <p:ph type="sldNum" sz="quarter" idx="13"/>
-          </p:nvPr>
-        </p:nvSpPr>
-        <p:spPr/>
-        <p:txBody>
-          <a:bodyPr/>
-          <a:lstStyle/>
-          <a:p>
-            <a:pPr>
-              <a:defRPr/>
-            </a:pPr>
-            <a:fld id="{8BDBD1F7-51C1-E94D-B9B2-8F7012A744C6}" type="slidenum">
-              <a:rPr lang="en-US" smtClean="0"/>
-              <a:pPr>
-                <a:defRPr/>
-              </a:pPr>
+            <p:ph type="sldNum" sz="quarter" idx="12"/>
+          </p:nvPr>
+        </p:nvSpPr>
+        <p:spPr/>
+        <p:txBody>
+          <a:bodyPr/>
+          <a:lstStyle/>
+          <a:p>
+            <a:fld id="{B543A0FD-1CA6-4228-86A2-78061B4844C8}" type="slidenum">
+              <a:rPr lang="en-US" smtClean="0"/>
               <a:t>31</a:t>
             </a:fld>
-            <a:r>
-              <a:rPr lang="en-US" smtClean="0"/>
-              <a:t> of 89</a:t>
-            </a:r>
-            <a:endParaRPr lang="en-US" dirty="0">
-              <a:solidFill>
-                <a:schemeClr val="tx2"/>
-              </a:solidFill>
-            </a:endParaRPr>
+            <a:endParaRPr lang="en-US"/>
           </a:p>
         </p:txBody>
       </p:sp>
     </p:spTree>
     <p:extLst>
       <p:ext uri="{BB962C8B-B14F-4D97-AF65-F5344CB8AC3E}">
-        <p14:creationId xmlns:p14="http://schemas.microsoft.com/office/powerpoint/2010/main" val="2958661579"/>
+        <p14:creationId xmlns:p14="http://schemas.microsoft.com/office/powerpoint/2010/main" val="229100126"/>
       </p:ext>
     </p:extLst>
   </p:cSld>
@@ -9495,7 +9641,7 @@
       </p:grpSpPr>
       <p:sp>
         <p:nvSpPr>
-          <p:cNvPr id="222210" name="Rectangle 2"/>
+          <p:cNvPr id="220165" name="Rectangle 5"/>
           <p:cNvSpPr>
             <a:spLocks noGrp="1" noChangeArrowheads="1"/>
           </p:cNvSpPr>
@@ -9505,8 +9651,8 @@
         </p:nvSpPr>
         <p:spPr>
           <a:xfrm>
-            <a:off x="710184" y="411480"/>
-            <a:ext cx="8265160" cy="1066800"/>
+            <a:off x="659384" y="342900"/>
+            <a:ext cx="7762240" cy="1066800"/>
           </a:xfrm>
         </p:spPr>
         <p:txBody>
@@ -9515,7 +9661,7 @@
           <a:p>
             <a:r>
               <a:rPr lang="en-US" dirty="0" smtClean="0"/>
-              <a:t>Self-Checking Code as Oracle</a:t>
+              <a:t>Comparison-based oracle</a:t>
             </a:r>
             <a:endParaRPr lang="en-US" dirty="0"/>
           </a:p>
@@ -9523,7 +9669,7 @@
       </p:sp>
       <p:pic>
         <p:nvPicPr>
-          <p:cNvPr id="222213" name="Picture 5" descr="Harness-self-check.pdf                                         00089516Macintosh HD                   C2DAC9E8:"/>
+          <p:cNvPr id="220168" name="Picture 8" descr="Harness-comparison-based.pdf                                   00089516Macintosh HD                   C2DAC9E8:"/>
           <p:cNvPicPr>
             <a:picLocks noGrp="1" noChangeAspect="1" noChangeArrowheads="1"/>
           </p:cNvPicPr>
@@ -9539,21 +9685,21 @@
               </a:ext>
             </a:extLst>
           </a:blip>
-          <a:srcRect l="5176" r="5176"/>
+          <a:srcRect l="-2488" r="-2488"/>
           <a:stretch>
             <a:fillRect/>
           </a:stretch>
         </p:blipFill>
         <p:spPr>
           <a:xfrm>
-            <a:off x="1981200" y="1310640"/>
-            <a:ext cx="8229600" cy="2514600"/>
+            <a:off x="1930400" y="1568958"/>
+            <a:ext cx="8229600" cy="2743200"/>
           </a:xfrm>
         </p:spPr>
       </p:pic>
       <p:sp>
         <p:nvSpPr>
-          <p:cNvPr id="222212" name="Rectangle 4"/>
+          <p:cNvPr id="220167" name="Rectangle 7"/>
           <p:cNvSpPr>
             <a:spLocks noGrp="1" noChangeArrowheads="1"/>
           </p:cNvSpPr>
@@ -9563,8 +9709,8 @@
         </p:nvSpPr>
         <p:spPr>
           <a:xfrm>
-            <a:off x="609600" y="3733800"/>
-            <a:ext cx="10972800" cy="2743200"/>
+            <a:off x="932688" y="4355592"/>
+            <a:ext cx="10030968" cy="2209800"/>
           </a:xfrm>
         </p:spPr>
         <p:txBody>
@@ -9572,37 +9718,29 @@
           <a:lstStyle/>
           <a:p>
             <a:r>
-              <a:rPr lang="en-US" dirty="0" smtClean="0"/>
-              <a:t>An oracle can also be written as self-checks</a:t>
+              <a:rPr lang="en-US" sz="2400" dirty="0"/>
+              <a:t>With a comparison-based oracle, we need predicted output for each input</a:t>
             </a:r>
           </a:p>
           <a:p>
             <a:pPr lvl="1"/>
             <a:r>
-              <a:rPr lang="en-US" dirty="0" smtClean="0"/>
-              <a:t>Often possible to judge correctness without predicting results</a:t>
-            </a:r>
-          </a:p>
-          <a:p>
-            <a:r>
-              <a:rPr lang="en-US" dirty="0" smtClean="0"/>
-              <a:t>Advantages and limits: Usable with large, automatically generated test suites, but often only a partial check</a:t>
+              <a:rPr lang="en-US" sz="2000" dirty="0"/>
+              <a:t>Oracle compares actual to predicted output, and reports failure if they differ</a:t>
+            </a:r>
+          </a:p>
+          <a:p>
+            <a:r>
+              <a:rPr lang="en-US" sz="2400" dirty="0"/>
+              <a:t>Fine for a small number of hand-generated test cases</a:t>
             </a:r>
           </a:p>
           <a:p>
             <a:pPr lvl="1"/>
             <a:r>
-              <a:rPr lang="en-US" dirty="0" smtClean="0"/>
-              <a:t>e.g., structural invariants of data structures</a:t>
-            </a:r>
-          </a:p>
-          <a:p>
-            <a:pPr lvl="1"/>
-            <a:r>
-              <a:rPr lang="en-US" dirty="0" smtClean="0"/>
-              <a:t>recognize many or most failures, but not all</a:t>
-            </a:r>
-            <a:endParaRPr lang="en-US" dirty="0"/>
+              <a:rPr lang="en-US" sz="2000" dirty="0"/>
+              <a:t>E.g., for hand-written JUnit test cases</a:t>
+            </a:r>
           </a:p>
         </p:txBody>
       </p:sp>
@@ -9646,7 +9784,7 @@
     </p:spTree>
     <p:extLst>
       <p:ext uri="{BB962C8B-B14F-4D97-AF65-F5344CB8AC3E}">
-        <p14:creationId xmlns:p14="http://schemas.microsoft.com/office/powerpoint/2010/main" val="3435802718"/>
+        <p14:creationId xmlns:p14="http://schemas.microsoft.com/office/powerpoint/2010/main" val="2958661579"/>
       </p:ext>
     </p:extLst>
   </p:cSld>
@@ -9682,7 +9820,7 @@
       </p:grpSpPr>
       <p:sp>
         <p:nvSpPr>
-          <p:cNvPr id="224258" name="Rectangle 2"/>
+          <p:cNvPr id="222210" name="Rectangle 2"/>
           <p:cNvSpPr>
             <a:spLocks noGrp="1" noChangeArrowheads="1"/>
           </p:cNvSpPr>
@@ -9690,97 +9828,106 @@
             <p:ph type="title"/>
           </p:nvPr>
         </p:nvSpPr>
-        <p:spPr/>
-        <p:txBody>
-          <a:bodyPr/>
-          <a:lstStyle/>
-          <a:p>
-            <a:r>
-              <a:rPr lang="en-US" dirty="0"/>
-              <a:t>Capture and Replay</a:t>
-            </a:r>
-          </a:p>
-        </p:txBody>
-      </p:sp>
-      <p:sp>
-        <p:nvSpPr>
-          <p:cNvPr id="224260" name="Rectangle 4"/>
+        <p:spPr>
+          <a:xfrm>
+            <a:off x="710184" y="411480"/>
+            <a:ext cx="8265160" cy="1066800"/>
+          </a:xfrm>
+        </p:spPr>
+        <p:txBody>
+          <a:bodyPr/>
+          <a:lstStyle/>
+          <a:p>
+            <a:r>
+              <a:rPr lang="en-US" dirty="0" smtClean="0"/>
+              <a:t>Self-Checking Code as Oracle</a:t>
+            </a:r>
+            <a:endParaRPr lang="en-US" dirty="0"/>
+          </a:p>
+        </p:txBody>
+      </p:sp>
+      <p:pic>
+        <p:nvPicPr>
+          <p:cNvPr id="222213" name="Picture 5" descr="Harness-self-check.pdf                                         00089516Macintosh HD                   C2DAC9E8:"/>
+          <p:cNvPicPr>
+            <a:picLocks noGrp="1" noChangeAspect="1" noChangeArrowheads="1"/>
+          </p:cNvPicPr>
+          <p:nvPr>
+            <p:ph sz="half" idx="1"/>
+          </p:nvPr>
+        </p:nvPicPr>
+        <p:blipFill>
+          <a:blip r:embed="rId3">
+            <a:extLst>
+              <a:ext uri="{28A0092B-C50C-407E-A947-70E740481C1C}">
+                <a14:useLocalDpi xmlns:a14="http://schemas.microsoft.com/office/drawing/2010/main" val="0"/>
+              </a:ext>
+            </a:extLst>
+          </a:blip>
+          <a:srcRect l="5176" r="5176"/>
+          <a:stretch>
+            <a:fillRect/>
+          </a:stretch>
+        </p:blipFill>
+        <p:spPr>
+          <a:xfrm>
+            <a:off x="1981200" y="1310640"/>
+            <a:ext cx="8229600" cy="2514600"/>
+          </a:xfrm>
+        </p:spPr>
+      </p:pic>
+      <p:sp>
+        <p:nvSpPr>
+          <p:cNvPr id="222212" name="Rectangle 4"/>
           <p:cNvSpPr>
             <a:spLocks noGrp="1" noChangeArrowheads="1"/>
           </p:cNvSpPr>
           <p:nvPr>
-            <p:ph type="body" idx="1"/>
-          </p:nvPr>
-        </p:nvSpPr>
-        <p:spPr/>
-        <p:txBody>
-          <a:bodyPr/>
-          <a:lstStyle/>
-          <a:p>
-            <a:r>
-              <a:rPr lang="en-US" dirty="0"/>
-              <a:t>Sometimes there is no alternative to human input and observation</a:t>
+            <p:ph type="body" sz="half" idx="2"/>
+          </p:nvPr>
+        </p:nvSpPr>
+        <p:spPr>
+          <a:xfrm>
+            <a:off x="609600" y="3733800"/>
+            <a:ext cx="10972800" cy="2743200"/>
+          </a:xfrm>
+        </p:spPr>
+        <p:txBody>
+          <a:bodyPr/>
+          <a:lstStyle/>
+          <a:p>
+            <a:r>
+              <a:rPr lang="en-US" dirty="0" smtClean="0"/>
+              <a:t>An oracle can also be written as self-checks</a:t>
             </a:r>
           </a:p>
           <a:p>
             <a:pPr lvl="1"/>
             <a:r>
-              <a:rPr lang="en-US" dirty="0"/>
-              <a:t>Even if we separate testing program functionality from GUI, some testing of the GUI is required</a:t>
-            </a:r>
-          </a:p>
-          <a:p>
-            <a:r>
-              <a:rPr lang="en-US" dirty="0"/>
-              <a:t>We can at least cut </a:t>
-            </a:r>
-            <a:r>
-              <a:rPr lang="en-US" i="1" dirty="0"/>
-              <a:t>repetition</a:t>
-            </a:r>
-            <a:r>
-              <a:rPr lang="en-US" dirty="0"/>
-              <a:t> of human testing</a:t>
-            </a:r>
-          </a:p>
-          <a:p>
-            <a:r>
-              <a:rPr lang="en-US" i="1" dirty="0"/>
-              <a:t>Capture</a:t>
-            </a:r>
-            <a:r>
-              <a:rPr lang="en-US" dirty="0"/>
-              <a:t> a manually run test case, </a:t>
-            </a:r>
-            <a:r>
-              <a:rPr lang="en-US" i="1" dirty="0"/>
-              <a:t>replay</a:t>
-            </a:r>
-            <a:r>
-              <a:rPr lang="en-US" dirty="0"/>
-              <a:t> it automatically</a:t>
+              <a:rPr lang="en-US" dirty="0" smtClean="0"/>
+              <a:t>Often possible to judge correctness without predicting results</a:t>
+            </a:r>
+          </a:p>
+          <a:p>
+            <a:r>
+              <a:rPr lang="en-US" dirty="0" smtClean="0"/>
+              <a:t>Advantages and limits: Usable with large, automatically generated test suites, but often only a partial check</a:t>
             </a:r>
           </a:p>
           <a:p>
             <a:pPr lvl="1"/>
             <a:r>
-              <a:rPr lang="en-US" dirty="0"/>
-              <a:t>with a comparison-based test oracle:  behavior same as previously accepted behavior</a:t>
-            </a:r>
-          </a:p>
-          <a:p>
-            <a:pPr lvl="2"/>
-            <a:r>
-              <a:rPr lang="en-US" dirty="0"/>
-              <a:t>reusable only until a program change invalidates it</a:t>
-            </a:r>
-          </a:p>
-          <a:p>
-            <a:pPr lvl="2"/>
-            <a:r>
-              <a:rPr lang="en-US" dirty="0"/>
-              <a:t>lifetime depends on abstraction level of input and output</a:t>
-            </a:r>
+              <a:rPr lang="en-US" dirty="0" smtClean="0"/>
+              <a:t>e.g., structural invariants of data structures</a:t>
+            </a:r>
+          </a:p>
+          <a:p>
+            <a:pPr lvl="1"/>
+            <a:r>
+              <a:rPr lang="en-US" dirty="0" smtClean="0"/>
+              <a:t>recognize many or most failures, but not all</a:t>
+            </a:r>
+            <a:endParaRPr lang="en-US" dirty="0"/>
           </a:p>
         </p:txBody>
       </p:sp>
@@ -9791,26 +9938,40 @@
             <a:spLocks noGrp="1"/>
           </p:cNvSpPr>
           <p:nvPr>
-            <p:ph type="sldNum" sz="quarter" idx="12"/>
-          </p:nvPr>
-        </p:nvSpPr>
-        <p:spPr/>
-        <p:txBody>
-          <a:bodyPr/>
-          <a:lstStyle/>
-          <a:p>
-            <a:fld id="{B543A0FD-1CA6-4228-86A2-78061B4844C8}" type="slidenum">
-              <a:rPr lang="en-US" smtClean="0"/>
+            <p:ph type="sldNum" sz="quarter" idx="13"/>
+          </p:nvPr>
+        </p:nvSpPr>
+        <p:spPr/>
+        <p:txBody>
+          <a:bodyPr/>
+          <a:lstStyle/>
+          <a:p>
+            <a:pPr>
+              <a:defRPr/>
+            </a:pPr>
+            <a:fld id="{8BDBD1F7-51C1-E94D-B9B2-8F7012A744C6}" type="slidenum">
+              <a:rPr lang="en-US" smtClean="0"/>
+              <a:pPr>
+                <a:defRPr/>
+              </a:pPr>
               <a:t>33</a:t>
             </a:fld>
-            <a:endParaRPr lang="en-US"/>
+            <a:r>
+              <a:rPr lang="en-US" smtClean="0"/>
+              <a:t> of 89</a:t>
+            </a:r>
+            <a:endParaRPr lang="en-US" dirty="0">
+              <a:solidFill>
+                <a:schemeClr val="tx2"/>
+              </a:solidFill>
+            </a:endParaRPr>
           </a:p>
         </p:txBody>
       </p:sp>
     </p:spTree>
     <p:extLst>
       <p:ext uri="{BB962C8B-B14F-4D97-AF65-F5344CB8AC3E}">
-        <p14:creationId xmlns:p14="http://schemas.microsoft.com/office/powerpoint/2010/main" val="4243923069"/>
+        <p14:creationId xmlns:p14="http://schemas.microsoft.com/office/powerpoint/2010/main" val="3435802718"/>
       </p:ext>
     </p:extLst>
   </p:cSld>
@@ -9861,7 +10022,7 @@
           <a:p>
             <a:r>
               <a:rPr lang="en-US" dirty="0"/>
-              <a:t>Defect Tracking</a:t>
+              <a:t>Capture and Replay</a:t>
             </a:r>
           </a:p>
         </p:txBody>
@@ -9878,75 +10039,72 @@
         </p:nvSpPr>
         <p:spPr/>
         <p:txBody>
-          <a:bodyPr>
-            <a:normAutofit/>
-          </a:bodyPr>
-          <a:lstStyle/>
-          <a:p>
-            <a:r>
-              <a:rPr lang="en-US" dirty="0"/>
-              <a:t>The defect tracking system </a:t>
-            </a:r>
-            <a:r>
-              <a:rPr lang="en-US" dirty="0" smtClean="0"/>
-              <a:t>records </a:t>
-            </a:r>
-            <a:r>
-              <a:rPr lang="en-US" dirty="0"/>
-              <a:t>and </a:t>
-            </a:r>
-            <a:r>
-              <a:rPr lang="en-US" dirty="0" smtClean="0"/>
-              <a:t>tracks </a:t>
-            </a:r>
-            <a:r>
-              <a:rPr lang="en-US" dirty="0"/>
-              <a:t>defects. </a:t>
-            </a:r>
-            <a:endParaRPr lang="en-US" dirty="0" smtClean="0"/>
-          </a:p>
-          <a:p>
-            <a:r>
-              <a:rPr lang="en-US" dirty="0" smtClean="0"/>
-              <a:t>It </a:t>
-            </a:r>
-            <a:r>
-              <a:rPr lang="en-US" dirty="0"/>
-              <a:t>routes each defect between testers, developers, the project manager and others, following a workflow designed to ensure that the defect is verified and repaired. </a:t>
+          <a:bodyPr/>
+          <a:lstStyle/>
+          <a:p>
+            <a:r>
+              <a:rPr lang="en-US" dirty="0"/>
+              <a:t>Sometimes there is no alternative to human input and observation</a:t>
             </a:r>
           </a:p>
           <a:p>
             <a:pPr lvl="1"/>
             <a:r>
               <a:rPr lang="en-US" dirty="0"/>
-              <a:t>Every defect encountered in the test run is recorded and entered into a defect tracking system so that it can be prioritized.</a:t>
+              <a:t>Even if we separate testing program functionality from GUI, some testing of the GUI is required</a:t>
+            </a:r>
+          </a:p>
+          <a:p>
+            <a:r>
+              <a:rPr lang="en-US" dirty="0"/>
+              <a:t>We can at least cut </a:t>
+            </a:r>
+            <a:r>
+              <a:rPr lang="en-US" i="1" dirty="0"/>
+              <a:t>repetition</a:t>
+            </a:r>
+            <a:r>
+              <a:rPr lang="en-US" dirty="0"/>
+              <a:t> of human testing</a:t>
+            </a:r>
+          </a:p>
+          <a:p>
+            <a:r>
+              <a:rPr lang="en-US" i="1" dirty="0"/>
+              <a:t>Capture</a:t>
+            </a:r>
+            <a:r>
+              <a:rPr lang="en-US" dirty="0"/>
+              <a:t> a manually run test case, </a:t>
+            </a:r>
+            <a:r>
+              <a:rPr lang="en-US" i="1" dirty="0"/>
+              <a:t>replay</a:t>
+            </a:r>
+            <a:r>
+              <a:rPr lang="en-US" dirty="0"/>
+              <a:t> it automatically</a:t>
             </a:r>
           </a:p>
           <a:p>
             <a:pPr lvl="1"/>
             <a:r>
               <a:rPr lang="en-US" dirty="0"/>
-              <a:t>The defect workflow should track the interaction between the testers who find the defect and the programmers who fix it. </a:t>
-            </a:r>
-            <a:endParaRPr lang="en-US" dirty="0" smtClean="0"/>
-          </a:p>
-          <a:p>
-            <a:pPr lvl="1"/>
-            <a:r>
-              <a:rPr lang="en-US" dirty="0" smtClean="0"/>
-              <a:t>It </a:t>
-            </a:r>
-            <a:r>
-              <a:rPr lang="en-US" dirty="0"/>
-              <a:t>should ensure that every defect can be properly prioritized and reviewed by all of the stakeholders to determine whether or not it should be repaired. This process of review and prioritization referred to as </a:t>
-            </a:r>
-            <a:r>
-              <a:rPr lang="en-US" b="1" dirty="0"/>
-              <a:t>triage</a:t>
-            </a:r>
-            <a:r>
-              <a:rPr lang="en-US" dirty="0"/>
-              <a:t>.</a:t>
+              <a:t>with a comparison-based test oracle:  behavior same as previously accepted behavior</a:t>
+            </a:r>
+          </a:p>
+          <a:p>
+            <a:pPr lvl="2"/>
+            <a:r>
+              <a:rPr lang="en-US" dirty="0"/>
+              <a:t>reusable only until a program change invalidates it</a:t>
+            </a:r>
+          </a:p>
+          <a:p>
+            <a:pPr lvl="2"/>
+            <a:r>
+              <a:rPr lang="en-US" dirty="0"/>
+              <a:t>lifetime depends on abstraction level of input and output</a:t>
             </a:r>
           </a:p>
         </p:txBody>
@@ -9977,7 +10135,7 @@
     </p:spTree>
     <p:extLst>
       <p:ext uri="{BB962C8B-B14F-4D97-AF65-F5344CB8AC3E}">
-        <p14:creationId xmlns:p14="http://schemas.microsoft.com/office/powerpoint/2010/main" val="226293953"/>
+        <p14:creationId xmlns:p14="http://schemas.microsoft.com/office/powerpoint/2010/main" val="4243923069"/>
       </p:ext>
     </p:extLst>
   </p:cSld>
@@ -10028,7 +10186,7 @@
           <a:p>
             <a:r>
               <a:rPr lang="en-US" dirty="0"/>
-              <a:t>Smoke Tests</a:t>
+              <a:t>Defect Tracking</a:t>
             </a:r>
           </a:p>
         </p:txBody>
@@ -10045,40 +10203,84 @@
         </p:nvSpPr>
         <p:spPr/>
         <p:txBody>
-          <a:bodyPr/>
-          <a:lstStyle/>
-          <a:p>
-            <a:r>
-              <a:rPr lang="en-US" dirty="0"/>
-              <a:t>A smoke test is a subset of the test cases that is typically representative of the overall test plan.</a:t>
+          <a:bodyPr>
+            <a:normAutofit/>
+          </a:bodyPr>
+          <a:lstStyle/>
+          <a:p>
+            <a:r>
+              <a:rPr lang="en-US" dirty="0"/>
+              <a:t>The defect tracking system </a:t>
+            </a:r>
+            <a:r>
+              <a:rPr lang="en-US" dirty="0" smtClean="0"/>
+              <a:t>records </a:t>
+            </a:r>
+            <a:r>
+              <a:rPr lang="en-US" dirty="0"/>
+              <a:t>and </a:t>
+            </a:r>
+            <a:r>
+              <a:rPr lang="en-US" dirty="0" smtClean="0"/>
+              <a:t>tracks </a:t>
+            </a:r>
+            <a:r>
+              <a:rPr lang="en-US" dirty="0"/>
+              <a:t>defects. </a:t>
+            </a:r>
+            <a:endParaRPr lang="en-US" dirty="0" smtClean="0"/>
+          </a:p>
+          <a:p>
+            <a:r>
+              <a:rPr lang="en-US" dirty="0" smtClean="0"/>
+              <a:t>It </a:t>
+            </a:r>
+            <a:r>
+              <a:rPr lang="en-US" dirty="0"/>
+              <a:t>routes each defect between testers, developers, the project manager and others, following a workflow designed to ensure that the defect is verified and repaired. </a:t>
             </a:r>
           </a:p>
           <a:p>
             <a:pPr lvl="1"/>
             <a:r>
               <a:rPr lang="en-US" dirty="0"/>
-              <a:t>Smoke tests are good for verifying proper deployment or other non invasive changes.</a:t>
+              <a:t>Every defect encountered in the test run is recorded and entered into a defect tracking system so that it can be prioritized.</a:t>
             </a:r>
           </a:p>
           <a:p>
             <a:pPr lvl="1"/>
             <a:r>
               <a:rPr lang="en-US" dirty="0"/>
-              <a:t>They are also useful for verifying a build is ready to send to test. </a:t>
-            </a:r>
+              <a:t>The defect workflow should track the interaction between the testers who find the defect and the </a:t>
+            </a:r>
+            <a:r>
+              <a:rPr lang="en-US" dirty="0" smtClean="0"/>
+              <a:t>developers </a:t>
+            </a:r>
+            <a:r>
+              <a:rPr lang="en-US" dirty="0"/>
+              <a:t>who fix it. </a:t>
+            </a:r>
+            <a:endParaRPr lang="en-US" dirty="0" smtClean="0"/>
           </a:p>
           <a:p>
             <a:pPr lvl="1"/>
             <a:r>
-              <a:rPr lang="en-US" dirty="0"/>
-              <a:t>Smoke tests are not substitute for actual functional testing. </a:t>
-            </a:r>
-          </a:p>
-          <a:p>
-            <a:endParaRPr lang="en-US" dirty="0"/>
-          </a:p>
-          <a:p>
-            <a:endParaRPr lang="en-US" dirty="0"/>
+              <a:rPr lang="en-US" dirty="0" smtClean="0"/>
+              <a:t>It </a:t>
+            </a:r>
+            <a:r>
+              <a:rPr lang="en-US" dirty="0"/>
+              <a:t>should ensure that every defect can be properly prioritized and reviewed by all of the stakeholders to determine whether or not it should be repaired. This process of review and prioritization referred to as </a:t>
+            </a:r>
+            <a:r>
+              <a:rPr lang="en-US" b="1" dirty="0"/>
+              <a:t>triage</a:t>
+            </a:r>
+            <a:r>
+              <a:rPr lang="en-US" dirty="0"/>
+              <a:t>.</a:t>
+            </a:r>
           </a:p>
         </p:txBody>
       </p:sp>
@@ -10108,7 +10310,7 @@
     </p:spTree>
     <p:extLst>
       <p:ext uri="{BB962C8B-B14F-4D97-AF65-F5344CB8AC3E}">
-        <p14:creationId xmlns:p14="http://schemas.microsoft.com/office/powerpoint/2010/main" val="3339399114"/>
+        <p14:creationId xmlns:p14="http://schemas.microsoft.com/office/powerpoint/2010/main" val="226293953"/>
       </p:ext>
     </p:extLst>
   </p:cSld>
@@ -10144,6 +10346,137 @@
       </p:grpSpPr>
       <p:sp>
         <p:nvSpPr>
+          <p:cNvPr id="224258" name="Rectangle 2"/>
+          <p:cNvSpPr>
+            <a:spLocks noGrp="1" noChangeArrowheads="1"/>
+          </p:cNvSpPr>
+          <p:nvPr>
+            <p:ph type="title"/>
+          </p:nvPr>
+        </p:nvSpPr>
+        <p:spPr/>
+        <p:txBody>
+          <a:bodyPr/>
+          <a:lstStyle/>
+          <a:p>
+            <a:r>
+              <a:rPr lang="en-US" dirty="0"/>
+              <a:t>Smoke Tests</a:t>
+            </a:r>
+          </a:p>
+        </p:txBody>
+      </p:sp>
+      <p:sp>
+        <p:nvSpPr>
+          <p:cNvPr id="224260" name="Rectangle 4"/>
+          <p:cNvSpPr>
+            <a:spLocks noGrp="1" noChangeArrowheads="1"/>
+          </p:cNvSpPr>
+          <p:nvPr>
+            <p:ph type="body" idx="1"/>
+          </p:nvPr>
+        </p:nvSpPr>
+        <p:spPr/>
+        <p:txBody>
+          <a:bodyPr/>
+          <a:lstStyle/>
+          <a:p>
+            <a:r>
+              <a:rPr lang="en-US" dirty="0"/>
+              <a:t>A smoke test is a subset of the test cases that is typically representative of the overall test plan.</a:t>
+            </a:r>
+          </a:p>
+          <a:p>
+            <a:pPr lvl="1"/>
+            <a:r>
+              <a:rPr lang="en-US" dirty="0"/>
+              <a:t>Smoke tests are good for verifying proper deployment or other non invasive changes.</a:t>
+            </a:r>
+          </a:p>
+          <a:p>
+            <a:pPr lvl="1"/>
+            <a:r>
+              <a:rPr lang="en-US" dirty="0"/>
+              <a:t>They are also useful for verifying a build is ready to send to test. </a:t>
+            </a:r>
+          </a:p>
+          <a:p>
+            <a:pPr lvl="1"/>
+            <a:r>
+              <a:rPr lang="en-US" dirty="0"/>
+              <a:t>Smoke tests are not substitute for actual functional testing. </a:t>
+            </a:r>
+          </a:p>
+          <a:p>
+            <a:endParaRPr lang="en-US" dirty="0"/>
+          </a:p>
+          <a:p>
+            <a:endParaRPr lang="en-US" dirty="0"/>
+          </a:p>
+        </p:txBody>
+      </p:sp>
+      <p:sp>
+        <p:nvSpPr>
+          <p:cNvPr id="2" name="Slide Number Placeholder 1"/>
+          <p:cNvSpPr>
+            <a:spLocks noGrp="1"/>
+          </p:cNvSpPr>
+          <p:nvPr>
+            <p:ph type="sldNum" sz="quarter" idx="12"/>
+          </p:nvPr>
+        </p:nvSpPr>
+        <p:spPr/>
+        <p:txBody>
+          <a:bodyPr/>
+          <a:lstStyle/>
+          <a:p>
+            <a:fld id="{B543A0FD-1CA6-4228-86A2-78061B4844C8}" type="slidenum">
+              <a:rPr lang="en-US" smtClean="0"/>
+              <a:t>36</a:t>
+            </a:fld>
+            <a:endParaRPr lang="en-US"/>
+          </a:p>
+        </p:txBody>
+      </p:sp>
+    </p:spTree>
+    <p:extLst>
+      <p:ext uri="{BB962C8B-B14F-4D97-AF65-F5344CB8AC3E}">
+        <p14:creationId xmlns:p14="http://schemas.microsoft.com/office/powerpoint/2010/main" val="3339399114"/>
+      </p:ext>
+    </p:extLst>
+  </p:cSld>
+  <p:clrMapOvr>
+    <a:masterClrMapping/>
+  </p:clrMapOvr>
+  <p:timing>
+    <p:tnLst>
+      <p:par>
+        <p:cTn id="1" dur="indefinite" restart="never" nodeType="tmRoot"/>
+      </p:par>
+    </p:tnLst>
+  </p:timing>
+</p:sld>
+</file>
+
+<file path=ppt/slides/slide37.xml><?xml version="1.0" encoding="utf-8"?>
+<p:sld xmlns:a="http://schemas.openxmlformats.org/drawingml/2006/main" xmlns:r="http://schemas.openxmlformats.org/officeDocument/2006/relationships" xmlns:p="http://schemas.openxmlformats.org/presentationml/2006/main">
+  <p:cSld>
+    <p:spTree>
+      <p:nvGrpSpPr>
+        <p:cNvPr id="1" name=""/>
+        <p:cNvGrpSpPr/>
+        <p:nvPr/>
+      </p:nvGrpSpPr>
+      <p:grpSpPr>
+        <a:xfrm>
+          <a:off x="0" y="0"/>
+          <a:ext cx="0" cy="0"/>
+          <a:chOff x="0" y="0"/>
+          <a:chExt cx="0" cy="0"/>
+        </a:xfrm>
+      </p:grpSpPr>
+      <p:sp>
+        <p:nvSpPr>
           <p:cNvPr id="13318" name="Rectangle 6"/>
           <p:cNvSpPr>
             <a:spLocks noGrp="1" noChangeArrowheads="1"/>
@@ -10274,7 +10607,7 @@
           <a:p>
             <a:fld id="{B543A0FD-1CA6-4228-86A2-78061B4844C8}" type="slidenum">
               <a:rPr lang="en-US" smtClean="0"/>
-              <a:t>36</a:t>
+              <a:t>37</a:t>
             </a:fld>
             <a:endParaRPr lang="en-US"/>
           </a:p>
@@ -10608,16 +10941,12 @@
               <a:t>test case</a:t>
             </a:r>
             <a:r>
-              <a:rPr lang="en-US" dirty="0"/>
+              <a:rPr lang="en-US" dirty="0" smtClean="0"/>
               <a:t>, </a:t>
             </a:r>
             <a:r>
-              <a:rPr lang="en-US" dirty="0" smtClean="0"/>
-              <a:t>in software </a:t>
-            </a:r>
-            <a:r>
-              <a:rPr lang="en-US" dirty="0"/>
-              <a:t>engineering, is a set of conditions under which a tester will determine whether an application, software system or one of its features is working as it was originally established for it to do. </a:t>
+              <a:rPr lang="en-US" dirty="0"/>
+              <a:t>is a set of conditions under which a tester will determine whether an application, software system or one of its features is working as it was originally established for it to do. </a:t>
             </a:r>
             <a:endParaRPr lang="en-US" dirty="0" smtClean="0"/>
           </a:p>
@@ -10747,13 +11076,24 @@
         <p:spPr/>
         <p:txBody>
           <a:bodyPr>
-            <a:normAutofit fontScale="85000" lnSpcReduction="20000"/>
+            <a:normAutofit fontScale="92500" lnSpcReduction="10000"/>
           </a:bodyPr>
           <a:lstStyle/>
           <a:p>
             <a:r>
               <a:rPr lang="en-US" dirty="0"/>
-              <a:t>A test case is a description of a specific interaction that a tester will have in order to test a single behavior of the software. Test cases are very similar to use cases, in that they are step-by-step narratives which define a specific interaction between the user and the software.</a:t>
+              <a:t>A test case is a description of a specific interaction that a tester will have in order to test a single behavior of the software. </a:t>
+            </a:r>
+            <a:endParaRPr lang="en-US" dirty="0" smtClean="0"/>
+          </a:p>
+          <a:p>
+            <a:r>
+              <a:rPr lang="en-US" dirty="0" smtClean="0"/>
+              <a:t>Test </a:t>
+            </a:r>
+            <a:r>
+              <a:rPr lang="en-US" dirty="0"/>
+              <a:t>cases are very similar to use cases, in that they are step-by-step narratives which define a specific interaction between the user and the software.</a:t>
             </a:r>
           </a:p>
           <a:p>
@@ -10765,9 +11105,10 @@
           <a:p>
             <a:pPr lvl="1"/>
             <a:r>
-              <a:rPr lang="en-US" dirty="0"/>
+              <a:rPr lang="en-US" dirty="0" smtClean="0"/>
               <a:t>A unique name and number</a:t>
             </a:r>
+            <a:endParaRPr lang="en-US" dirty="0"/>
           </a:p>
           <a:p>
             <a:pPr lvl="1"/>
@@ -10780,8 +11121,13 @@
             <a:pPr lvl="1"/>
             <a:r>
               <a:rPr lang="en-US" dirty="0"/>
-              <a:t>Preconditions which describe the state of the software before the test case (which is often a previous test case that must always be run before the current test case)</a:t>
-            </a:r>
+              <a:t>Preconditions which describe the state of the software before the test </a:t>
+            </a:r>
+            <a:r>
+              <a:rPr lang="en-US" dirty="0" smtClean="0"/>
+              <a:t>case</a:t>
+            </a:r>
+            <a:endParaRPr lang="en-US" dirty="0"/>
           </a:p>
           <a:p>
             <a:pPr lvl="1"/>
@@ -10794,20 +11140,13 @@
             <a:pPr lvl="1"/>
             <a:r>
               <a:rPr lang="en-US" dirty="0"/>
-              <a:t>Expected Results which describe the expected state of the software after the test case is executed</a:t>
-            </a:r>
-          </a:p>
-          <a:p>
-            <a:r>
-              <a:rPr lang="en-US" dirty="0"/>
-              <a:t>Test cases must be repeatable.</a:t>
-            </a:r>
-          </a:p>
-          <a:p>
-            <a:r>
-              <a:rPr lang="en-US" dirty="0"/>
-              <a:t>Good test cases are data-specific, and describe each interaction necessary to repeat the test exactly. </a:t>
-            </a:r>
+              <a:t>Expected Results which describe the expected state of the software after the test case is </a:t>
+            </a:r>
+            <a:r>
+              <a:rPr lang="en-US" dirty="0" smtClean="0"/>
+              <a:t>executed</a:t>
+            </a:r>
+            <a:endParaRPr lang="en-US" dirty="0"/>
           </a:p>
         </p:txBody>
       </p:sp>
@@ -10881,7 +11220,7 @@
           <a:p>
             <a:r>
               <a:rPr lang="en-US" dirty="0" smtClean="0"/>
-              <a:t>Writing test cases</a:t>
+              <a:t>Test cases</a:t>
             </a:r>
             <a:endParaRPr lang="en-US" dirty="0"/>
           </a:p>
@@ -10900,88 +11239,24 @@
         <p:spPr/>
         <p:txBody>
           <a:bodyPr>
-            <a:normAutofit fontScale="85000" lnSpcReduction="20000"/>
+            <a:normAutofit/>
           </a:bodyPr>
           <a:lstStyle/>
           <a:p>
             <a:r>
               <a:rPr lang="en-US" dirty="0" smtClean="0"/>
-              <a:t>First you must understand the language fundamentals</a:t>
-            </a:r>
-          </a:p>
-          <a:p>
-            <a:pPr lvl="1"/>
-            <a:r>
-              <a:rPr lang="en-US" dirty="0" smtClean="0"/>
-              <a:t>Sizes and limits of variables, platform specific information</a:t>
-            </a:r>
-          </a:p>
-          <a:p>
-            <a:r>
-              <a:rPr lang="en-US" dirty="0" smtClean="0"/>
-              <a:t>Second, you must understand the domain</a:t>
-            </a:r>
-          </a:p>
-          <a:p>
-            <a:r>
-              <a:rPr lang="en-US" dirty="0" smtClean="0"/>
-              <a:t>Read the requirements</a:t>
-            </a:r>
-          </a:p>
-          <a:p>
-            <a:r>
-              <a:rPr lang="en-US" dirty="0" smtClean="0"/>
-              <a:t>Think like a user – what possible things do they want to do</a:t>
-            </a:r>
-          </a:p>
-          <a:p>
-            <a:r>
-              <a:rPr lang="en-US" dirty="0" smtClean="0"/>
-              <a:t>Think about possible “mistakes”; i.e. Invalid input</a:t>
-            </a:r>
-          </a:p>
-          <a:p>
-            <a:r>
-              <a:rPr lang="en-US" dirty="0" smtClean="0"/>
-              <a:t>Think about impossible conditions or input</a:t>
-            </a:r>
-          </a:p>
-          <a:p>
-            <a:r>
-              <a:rPr lang="en-US" dirty="0" smtClean="0"/>
-              <a:t>What is the testing intended to prove?</a:t>
-            </a:r>
-          </a:p>
-          <a:p>
-            <a:pPr lvl="1"/>
-            <a:r>
-              <a:rPr lang="en-US" dirty="0" smtClean="0"/>
-              <a:t>Correct operation – gives correct behavior for correct input</a:t>
-            </a:r>
-          </a:p>
-          <a:p>
-            <a:pPr lvl="1"/>
-            <a:r>
-              <a:rPr lang="en-US" dirty="0" smtClean="0"/>
-              <a:t>Robustness – responds to incorrect or invalid input with proper results</a:t>
-            </a:r>
-          </a:p>
-          <a:p>
-            <a:pPr lvl="1"/>
-            <a:r>
-              <a:rPr lang="en-US" dirty="0" smtClean="0"/>
-              <a:t>User acceptance – typical user behavior</a:t>
-            </a:r>
-          </a:p>
-          <a:p>
-            <a:r>
-              <a:rPr lang="en-US" dirty="0" smtClean="0"/>
-              <a:t>Write down the test cases</a:t>
-            </a:r>
-          </a:p>
-          <a:p>
-            <a:pPr lvl="1"/>
-            <a:endParaRPr lang="en-US" dirty="0" smtClean="0"/>
+              <a:t>Test </a:t>
+            </a:r>
+            <a:r>
+              <a:rPr lang="en-US" dirty="0"/>
+              <a:t>cases must be repeatable.</a:t>
+            </a:r>
+          </a:p>
+          <a:p>
+            <a:r>
+              <a:rPr lang="en-US" dirty="0"/>
+              <a:t>Good test cases are data-specific, and describe each interaction necessary to repeat the test exactly. </a:t>
+            </a:r>
           </a:p>
         </p:txBody>
       </p:sp>
@@ -11011,7 +11286,7 @@
     </p:spTree>
     <p:extLst>
       <p:ext uri="{BB962C8B-B14F-4D97-AF65-F5344CB8AC3E}">
-        <p14:creationId xmlns:p14="http://schemas.microsoft.com/office/powerpoint/2010/main" val="2208298509"/>
+        <p14:creationId xmlns:p14="http://schemas.microsoft.com/office/powerpoint/2010/main" val="26054628"/>
       </p:ext>
     </p:extLst>
   </p:cSld>
@@ -11055,7 +11330,7 @@
           <a:p>
             <a:r>
               <a:rPr lang="en-US" dirty="0" smtClean="0"/>
-              <a:t>Writing Good Test Cases</a:t>
+              <a:t>Writing test cases</a:t>
             </a:r>
             <a:endParaRPr lang="en-US" dirty="0"/>
           </a:p>
@@ -11074,97 +11349,88 @@
         <p:spPr/>
         <p:txBody>
           <a:bodyPr>
-            <a:normAutofit fontScale="92500" lnSpcReduction="10000"/>
+            <a:normAutofit fontScale="85000" lnSpcReduction="20000"/>
           </a:bodyPr>
           <a:lstStyle/>
           <a:p>
             <a:r>
               <a:rPr lang="en-US" dirty="0" smtClean="0"/>
-              <a:t>Test </a:t>
-            </a:r>
-            <a:r>
-              <a:rPr lang="en-US" dirty="0"/>
-              <a:t>Cases need to be simple and transparent:</a:t>
-            </a:r>
-          </a:p>
-          <a:p>
-            <a:r>
-              <a:rPr lang="en-US" dirty="0" smtClean="0"/>
-              <a:t>Create </a:t>
-            </a:r>
-            <a:r>
-              <a:rPr lang="en-US" dirty="0"/>
-              <a:t>Test </a:t>
-            </a:r>
-            <a:r>
-              <a:rPr lang="en-US" dirty="0" smtClean="0"/>
-              <a:t>Case with end user in mind</a:t>
-            </a:r>
-            <a:endParaRPr lang="en-US" dirty="0"/>
-          </a:p>
-          <a:p>
-            <a:r>
-              <a:rPr lang="en-US" dirty="0" smtClean="0"/>
-              <a:t>Avoid </a:t>
-            </a:r>
-            <a:r>
-              <a:rPr lang="en-US" dirty="0"/>
-              <a:t>test case repetition.</a:t>
-            </a:r>
-          </a:p>
-          <a:p>
-            <a:r>
-              <a:rPr lang="en-US" dirty="0" smtClean="0"/>
-              <a:t>Do </a:t>
-            </a:r>
-            <a:r>
-              <a:rPr lang="en-US" dirty="0"/>
-              <a:t>not Assume</a:t>
+              <a:t>First you must understand the language fundamentals</a:t>
             </a:r>
           </a:p>
           <a:p>
             <a:pPr lvl="1"/>
             <a:r>
-              <a:rPr lang="en-US" dirty="0"/>
-              <a:t>Stick to the Specification Documents.</a:t>
-            </a:r>
-          </a:p>
-          <a:p>
-            <a:r>
-              <a:rPr lang="en-US" dirty="0" smtClean="0"/>
-              <a:t>Ensure </a:t>
-            </a:r>
-            <a:r>
-              <a:rPr lang="en-US" dirty="0"/>
-              <a:t>100% Coverage</a:t>
-            </a:r>
-          </a:p>
-          <a:p>
-            <a:r>
-              <a:rPr lang="en-US" dirty="0" smtClean="0"/>
-              <a:t>Test </a:t>
-            </a:r>
-            <a:r>
-              <a:rPr lang="en-US" dirty="0"/>
-              <a:t>Cases must be identifiable.</a:t>
-            </a:r>
-          </a:p>
-          <a:p>
-            <a:r>
-              <a:rPr lang="en-US" dirty="0" smtClean="0"/>
-              <a:t>Implement </a:t>
-            </a:r>
-            <a:r>
-              <a:rPr lang="en-US" dirty="0"/>
-              <a:t>Testing Techniques</a:t>
+              <a:rPr lang="en-US" dirty="0" smtClean="0"/>
+              <a:t>Sizes and limits of variables, platform specific information</a:t>
+            </a:r>
+          </a:p>
+          <a:p>
+            <a:r>
+              <a:rPr lang="en-US" dirty="0" smtClean="0"/>
+              <a:t>Second, you must understand the domain</a:t>
+            </a:r>
+          </a:p>
+          <a:p>
+            <a:r>
+              <a:rPr lang="en-US" dirty="0" smtClean="0"/>
+              <a:t>Read the requirements</a:t>
+            </a:r>
+          </a:p>
+          <a:p>
+            <a:r>
+              <a:rPr lang="en-US" dirty="0" smtClean="0"/>
+              <a:t>Think like a user – what possible things do they want to do</a:t>
+            </a:r>
+          </a:p>
+          <a:p>
+            <a:r>
+              <a:rPr lang="en-US" dirty="0" smtClean="0"/>
+              <a:t>Think about possible “mistakes”; i.e. Invalid input</a:t>
+            </a:r>
+          </a:p>
+          <a:p>
+            <a:r>
+              <a:rPr lang="en-US" dirty="0" smtClean="0"/>
+              <a:t>Think about impossible conditions or input</a:t>
+            </a:r>
+          </a:p>
+          <a:p>
+            <a:r>
+              <a:rPr lang="en-US" dirty="0" smtClean="0"/>
+              <a:t>What is the testing intended to prove?</a:t>
             </a:r>
           </a:p>
           <a:p>
             <a:pPr lvl="1"/>
             <a:r>
-              <a:rPr lang="en-US" dirty="0"/>
-              <a:t>It's not possible to check every possible condition in your software application. Testing techniques help you select a few test cases with the maximum possibility of finding a defect.</a:t>
-            </a:r>
+              <a:rPr lang="en-US" dirty="0" smtClean="0"/>
+              <a:t>Correct operation – gives correct behavior for correct input</a:t>
+            </a:r>
+          </a:p>
+          <a:p>
+            <a:pPr lvl="1"/>
+            <a:r>
+              <a:rPr lang="en-US" dirty="0" smtClean="0"/>
+              <a:t>Robustness – responds to incorrect or invalid input with proper results</a:t>
+            </a:r>
+          </a:p>
+          <a:p>
+            <a:pPr lvl="1"/>
+            <a:r>
+              <a:rPr lang="en-US" dirty="0" smtClean="0"/>
+              <a:t>User acceptance – typical user behavior</a:t>
+            </a:r>
+          </a:p>
+          <a:p>
+            <a:r>
+              <a:rPr lang="en-US" dirty="0" smtClean="0"/>
+              <a:t>Write down the test cases</a:t>
+            </a:r>
+          </a:p>
+          <a:p>
+            <a:pPr lvl="1"/>
+            <a:endParaRPr lang="en-US" dirty="0" smtClean="0"/>
           </a:p>
         </p:txBody>
       </p:sp>
@@ -11194,7 +11460,7 @@
     </p:spTree>
     <p:extLst>
       <p:ext uri="{BB962C8B-B14F-4D97-AF65-F5344CB8AC3E}">
-        <p14:creationId xmlns:p14="http://schemas.microsoft.com/office/powerpoint/2010/main" val="688579603"/>
+        <p14:creationId xmlns:p14="http://schemas.microsoft.com/office/powerpoint/2010/main" val="2208298509"/>
       </p:ext>
     </p:extLst>
   </p:cSld>
